--- a/newton/fig/fig.pptx
+++ b/newton/fig/fig.pptx
@@ -8,6 +8,7 @@
     <p:sldId id="256" r:id="rId2"/>
     <p:sldId id="257" r:id="rId3"/>
     <p:sldId id="258" r:id="rId4"/>
+    <p:sldId id="259" r:id="rId5"/>
   </p:sldIdLst>
   <p:sldSz cx="12192000" cy="6858000"/>
   <p:notesSz cx="6858000" cy="9144000"/>
@@ -791,8 +792,8 @@
           </a:prstGeom>
         </p:spPr>
       </p:pic>
-      <mc:AlternateContent xmlns:mc="http://schemas.openxmlformats.org/markup-compatibility/2006">
-        <mc:Choice xmlns:a14="http://schemas.microsoft.com/office/drawing/2010/main" Requires="a14">
+      <mc:AlternateContent xmlns:mc="http://schemas.openxmlformats.org/markup-compatibility/2006" xmlns:a14="http://schemas.microsoft.com/office/drawing/2010/main">
+        <mc:Choice Requires="a14">
           <p:sp>
             <p:nvSpPr>
               <p:cNvPr id="11" name="テキスト ボックス 10">
@@ -909,7 +910,7 @@
             </p:txBody>
           </p:sp>
         </mc:Choice>
-        <mc:Fallback>
+        <mc:Fallback xmlns="">
           <p:sp>
             <p:nvSpPr>
               <p:cNvPr id="11" name="テキスト ボックス 10">
@@ -1965,8 +1966,8 @@
           </a:p>
         </p:txBody>
       </p:sp>
-      <mc:AlternateContent xmlns:mc="http://schemas.openxmlformats.org/markup-compatibility/2006">
-        <mc:Choice xmlns:a14="http://schemas.microsoft.com/office/drawing/2010/main" Requires="a14">
+      <mc:AlternateContent xmlns:mc="http://schemas.openxmlformats.org/markup-compatibility/2006" xmlns:a14="http://schemas.microsoft.com/office/drawing/2010/main">
+        <mc:Choice Requires="a14">
           <p:sp>
             <p:nvSpPr>
               <p:cNvPr id="16" name="テキスト ボックス 15">
@@ -2072,7 +2073,7 @@
             </p:txBody>
           </p:sp>
         </mc:Choice>
-        <mc:Fallback>
+        <mc:Fallback xmlns="">
           <p:sp>
             <p:nvSpPr>
               <p:cNvPr id="16" name="テキスト ボックス 15">
@@ -2338,8 +2339,8 @@
           </a:p>
         </p:txBody>
       </p:sp>
-      <mc:AlternateContent xmlns:mc="http://schemas.openxmlformats.org/markup-compatibility/2006">
-        <mc:Choice xmlns:a14="http://schemas.microsoft.com/office/drawing/2010/main" Requires="a14">
+      <mc:AlternateContent xmlns:mc="http://schemas.openxmlformats.org/markup-compatibility/2006" xmlns:a14="http://schemas.microsoft.com/office/drawing/2010/main">
+        <mc:Choice Requires="a14">
           <p:sp>
             <p:nvSpPr>
               <p:cNvPr id="22" name="テキスト ボックス 21">
@@ -2503,7 +2504,7 @@
             </p:txBody>
           </p:sp>
         </mc:Choice>
-        <mc:Fallback>
+        <mc:Fallback xmlns="">
           <p:sp>
             <p:nvSpPr>
               <p:cNvPr id="22" name="テキスト ボックス 21">
@@ -2548,8 +2549,8 @@
           </p:sp>
         </mc:Fallback>
       </mc:AlternateContent>
-      <mc:AlternateContent xmlns:mc="http://schemas.openxmlformats.org/markup-compatibility/2006">
-        <mc:Choice xmlns:a14="http://schemas.microsoft.com/office/drawing/2010/main" Requires="a14">
+      <mc:AlternateContent xmlns:mc="http://schemas.openxmlformats.org/markup-compatibility/2006" xmlns:a14="http://schemas.microsoft.com/office/drawing/2010/main">
+        <mc:Choice Requires="a14">
           <p:sp>
             <p:nvSpPr>
               <p:cNvPr id="23" name="テキスト ボックス 22">
@@ -2649,7 +2650,7 @@
             </p:txBody>
           </p:sp>
         </mc:Choice>
-        <mc:Fallback>
+        <mc:Fallback xmlns="">
           <p:sp>
             <p:nvSpPr>
               <p:cNvPr id="23" name="テキスト ボックス 22">
@@ -2694,8 +2695,8 @@
           </p:sp>
         </mc:Fallback>
       </mc:AlternateContent>
-      <mc:AlternateContent xmlns:mc="http://schemas.openxmlformats.org/markup-compatibility/2006">
-        <mc:Choice xmlns:a14="http://schemas.microsoft.com/office/drawing/2010/main" Requires="a14">
+      <mc:AlternateContent xmlns:mc="http://schemas.openxmlformats.org/markup-compatibility/2006" xmlns:a14="http://schemas.microsoft.com/office/drawing/2010/main">
+        <mc:Choice Requires="a14">
           <p:sp>
             <p:nvSpPr>
               <p:cNvPr id="24" name="テキスト ボックス 23">
@@ -2851,7 +2852,7 @@
             </p:txBody>
           </p:sp>
         </mc:Choice>
-        <mc:Fallback>
+        <mc:Fallback xmlns="">
           <p:sp>
             <p:nvSpPr>
               <p:cNvPr id="24" name="テキスト ボックス 23">
@@ -4797,6 +4798,1225 @@
 </p:sld>
 </file>
 
+<file path=ppt/slides/slide4.xml><?xml version="1.0" encoding="utf-8"?>
+<p:sld xmlns:a="http://schemas.openxmlformats.org/drawingml/2006/main" xmlns:r="http://schemas.openxmlformats.org/officeDocument/2006/relationships" xmlns:p="http://schemas.openxmlformats.org/presentationml/2006/main">
+  <p:cSld>
+    <p:spTree>
+      <p:nvGrpSpPr>
+        <p:cNvPr id="1" name=""/>
+        <p:cNvGrpSpPr/>
+        <p:nvPr/>
+      </p:nvGrpSpPr>
+      <p:grpSpPr>
+        <a:xfrm>
+          <a:off x="0" y="0"/>
+          <a:ext cx="0" cy="0"/>
+          <a:chOff x="0" y="0"/>
+          <a:chExt cx="0" cy="0"/>
+        </a:xfrm>
+      </p:grpSpPr>
+      <p:cxnSp>
+        <p:nvCxnSpPr>
+          <p:cNvPr id="3" name="直線矢印コネクタ 2">
+            <a:extLst>
+              <a:ext uri="{FF2B5EF4-FFF2-40B4-BE49-F238E27FC236}">
+                <a16:creationId xmlns:a16="http://schemas.microsoft.com/office/drawing/2014/main" id="{BE5AAA71-EB24-B494-CF93-215C11F7A107}"/>
+              </a:ext>
+            </a:extLst>
+          </p:cNvPr>
+          <p:cNvCxnSpPr/>
+          <p:nvPr/>
+        </p:nvCxnSpPr>
+        <p:spPr>
+          <a:xfrm>
+            <a:off x="2351584" y="4149080"/>
+            <a:ext cx="4680520" cy="0"/>
+          </a:xfrm>
+          <a:prstGeom prst="straightConnector1">
+            <a:avLst/>
+          </a:prstGeom>
+          <a:ln>
+            <a:solidFill>
+              <a:schemeClr val="tx1"/>
+            </a:solidFill>
+            <a:tailEnd type="triangle"/>
+          </a:ln>
+        </p:spPr>
+        <p:style>
+          <a:lnRef idx="1">
+            <a:schemeClr val="accent1"/>
+          </a:lnRef>
+          <a:fillRef idx="0">
+            <a:schemeClr val="accent1"/>
+          </a:fillRef>
+          <a:effectRef idx="0">
+            <a:schemeClr val="accent1"/>
+          </a:effectRef>
+          <a:fontRef idx="minor">
+            <a:schemeClr val="tx1"/>
+          </a:fontRef>
+        </p:style>
+      </p:cxnSp>
+      <p:cxnSp>
+        <p:nvCxnSpPr>
+          <p:cNvPr id="4" name="直線矢印コネクタ 3">
+            <a:extLst>
+              <a:ext uri="{FF2B5EF4-FFF2-40B4-BE49-F238E27FC236}">
+                <a16:creationId xmlns:a16="http://schemas.microsoft.com/office/drawing/2014/main" id="{36586D52-8F0B-B4A5-9DE9-A2FCAE7D1FA0}"/>
+              </a:ext>
+            </a:extLst>
+          </p:cNvPr>
+          <p:cNvCxnSpPr>
+            <a:cxnSpLocks/>
+          </p:cNvCxnSpPr>
+          <p:nvPr/>
+        </p:nvCxnSpPr>
+        <p:spPr>
+          <a:xfrm flipV="1">
+            <a:off x="2503984" y="1268760"/>
+            <a:ext cx="0" cy="3032720"/>
+          </a:xfrm>
+          <a:prstGeom prst="straightConnector1">
+            <a:avLst/>
+          </a:prstGeom>
+          <a:ln>
+            <a:solidFill>
+              <a:schemeClr val="tx1"/>
+            </a:solidFill>
+            <a:tailEnd type="triangle"/>
+          </a:ln>
+        </p:spPr>
+        <p:style>
+          <a:lnRef idx="1">
+            <a:schemeClr val="accent1"/>
+          </a:lnRef>
+          <a:fillRef idx="0">
+            <a:schemeClr val="accent1"/>
+          </a:fillRef>
+          <a:effectRef idx="0">
+            <a:schemeClr val="accent1"/>
+          </a:effectRef>
+          <a:fontRef idx="minor">
+            <a:schemeClr val="tx1"/>
+          </a:fontRef>
+        </p:style>
+      </p:cxnSp>
+      <p:cxnSp>
+        <p:nvCxnSpPr>
+          <p:cNvPr id="7" name="直線矢印コネクタ 6">
+            <a:extLst>
+              <a:ext uri="{FF2B5EF4-FFF2-40B4-BE49-F238E27FC236}">
+                <a16:creationId xmlns:a16="http://schemas.microsoft.com/office/drawing/2014/main" id="{99B7D638-3867-64C0-858D-E65B8B759BD1}"/>
+              </a:ext>
+            </a:extLst>
+          </p:cNvPr>
+          <p:cNvCxnSpPr>
+            <a:cxnSpLocks/>
+          </p:cNvCxnSpPr>
+          <p:nvPr/>
+        </p:nvCxnSpPr>
+        <p:spPr>
+          <a:xfrm flipV="1">
+            <a:off x="2503984" y="2687389"/>
+            <a:ext cx="2511896" cy="1461691"/>
+          </a:xfrm>
+          <a:prstGeom prst="straightConnector1">
+            <a:avLst/>
+          </a:prstGeom>
+          <a:ln>
+            <a:solidFill>
+              <a:schemeClr val="tx1"/>
+            </a:solidFill>
+            <a:tailEnd type="triangle"/>
+          </a:ln>
+        </p:spPr>
+        <p:style>
+          <a:lnRef idx="1">
+            <a:schemeClr val="accent1"/>
+          </a:lnRef>
+          <a:fillRef idx="0">
+            <a:schemeClr val="accent1"/>
+          </a:fillRef>
+          <a:effectRef idx="0">
+            <a:schemeClr val="accent1"/>
+          </a:effectRef>
+          <a:fontRef idx="minor">
+            <a:schemeClr val="tx1"/>
+          </a:fontRef>
+        </p:style>
+      </p:cxnSp>
+      <p:grpSp>
+        <p:nvGrpSpPr>
+          <p:cNvPr id="18" name="グループ化 17">
+            <a:extLst>
+              <a:ext uri="{FF2B5EF4-FFF2-40B4-BE49-F238E27FC236}">
+                <a16:creationId xmlns:a16="http://schemas.microsoft.com/office/drawing/2014/main" id="{38DEBEC2-7AC0-1D47-8058-A79172ABE54E}"/>
+              </a:ext>
+            </a:extLst>
+          </p:cNvPr>
+          <p:cNvGrpSpPr/>
+          <p:nvPr/>
+        </p:nvGrpSpPr>
+        <p:grpSpPr>
+          <a:xfrm rot="19800000">
+            <a:off x="4559368" y="981997"/>
+            <a:ext cx="1440160" cy="1440160"/>
+            <a:chOff x="8256240" y="1268760"/>
+            <a:chExt cx="1440160" cy="1440160"/>
+          </a:xfrm>
+        </p:grpSpPr>
+        <p:cxnSp>
+          <p:nvCxnSpPr>
+            <p:cNvPr id="13" name="直線矢印コネクタ 12">
+              <a:extLst>
+                <a:ext uri="{FF2B5EF4-FFF2-40B4-BE49-F238E27FC236}">
+                  <a16:creationId xmlns:a16="http://schemas.microsoft.com/office/drawing/2014/main" id="{AF2F46A4-96D1-BF85-BB47-1EA255CCE2C6}"/>
+                </a:ext>
+              </a:extLst>
+            </p:cNvPr>
+            <p:cNvCxnSpPr>
+              <a:cxnSpLocks/>
+            </p:cNvCxnSpPr>
+            <p:nvPr/>
+          </p:nvCxnSpPr>
+          <p:spPr>
+            <a:xfrm>
+              <a:off x="8256240" y="2708920"/>
+              <a:ext cx="1440160" cy="0"/>
+            </a:xfrm>
+            <a:prstGeom prst="straightConnector1">
+              <a:avLst/>
+            </a:prstGeom>
+            <a:ln w="28575">
+              <a:solidFill>
+                <a:srgbClr val="FF0000"/>
+              </a:solidFill>
+              <a:tailEnd type="triangle"/>
+            </a:ln>
+          </p:spPr>
+          <p:style>
+            <a:lnRef idx="1">
+              <a:schemeClr val="accent1"/>
+            </a:lnRef>
+            <a:fillRef idx="0">
+              <a:schemeClr val="accent1"/>
+            </a:fillRef>
+            <a:effectRef idx="0">
+              <a:schemeClr val="accent1"/>
+            </a:effectRef>
+            <a:fontRef idx="minor">
+              <a:schemeClr val="tx1"/>
+            </a:fontRef>
+          </p:style>
+        </p:cxnSp>
+        <p:cxnSp>
+          <p:nvCxnSpPr>
+            <p:cNvPr id="16" name="直線矢印コネクタ 15">
+              <a:extLst>
+                <a:ext uri="{FF2B5EF4-FFF2-40B4-BE49-F238E27FC236}">
+                  <a16:creationId xmlns:a16="http://schemas.microsoft.com/office/drawing/2014/main" id="{00004490-EF16-A494-7362-62B42A5DC90B}"/>
+                </a:ext>
+              </a:extLst>
+            </p:cNvPr>
+            <p:cNvCxnSpPr>
+              <a:cxnSpLocks/>
+            </p:cNvCxnSpPr>
+            <p:nvPr/>
+          </p:nvCxnSpPr>
+          <p:spPr>
+            <a:xfrm flipV="1">
+              <a:off x="8256240" y="1268760"/>
+              <a:ext cx="0" cy="1440160"/>
+            </a:xfrm>
+            <a:prstGeom prst="straightConnector1">
+              <a:avLst/>
+            </a:prstGeom>
+            <a:ln w="28575">
+              <a:solidFill>
+                <a:srgbClr val="FF0000"/>
+              </a:solidFill>
+              <a:tailEnd type="triangle"/>
+            </a:ln>
+          </p:spPr>
+          <p:style>
+            <a:lnRef idx="1">
+              <a:schemeClr val="accent1"/>
+            </a:lnRef>
+            <a:fillRef idx="0">
+              <a:schemeClr val="accent1"/>
+            </a:fillRef>
+            <a:effectRef idx="0">
+              <a:schemeClr val="accent1"/>
+            </a:effectRef>
+            <a:fontRef idx="minor">
+              <a:schemeClr val="tx1"/>
+            </a:fontRef>
+          </p:style>
+        </p:cxnSp>
+      </p:grpSp>
+      <p:grpSp>
+        <p:nvGrpSpPr>
+          <p:cNvPr id="23" name="グループ化 22">
+            <a:extLst>
+              <a:ext uri="{FF2B5EF4-FFF2-40B4-BE49-F238E27FC236}">
+                <a16:creationId xmlns:a16="http://schemas.microsoft.com/office/drawing/2014/main" id="{E666AE08-EC7F-228E-BDB1-B7949C0286CC}"/>
+              </a:ext>
+            </a:extLst>
+          </p:cNvPr>
+          <p:cNvGrpSpPr/>
+          <p:nvPr/>
+        </p:nvGrpSpPr>
+        <p:grpSpPr>
+          <a:xfrm>
+            <a:off x="5007066" y="1245565"/>
+            <a:ext cx="1440160" cy="1440160"/>
+            <a:chOff x="8256240" y="1268760"/>
+            <a:chExt cx="1440160" cy="1440160"/>
+          </a:xfrm>
+        </p:grpSpPr>
+        <p:cxnSp>
+          <p:nvCxnSpPr>
+            <p:cNvPr id="24" name="直線矢印コネクタ 23">
+              <a:extLst>
+                <a:ext uri="{FF2B5EF4-FFF2-40B4-BE49-F238E27FC236}">
+                  <a16:creationId xmlns:a16="http://schemas.microsoft.com/office/drawing/2014/main" id="{B2162BB2-A48C-F45F-2224-9A8793A6D300}"/>
+                </a:ext>
+              </a:extLst>
+            </p:cNvPr>
+            <p:cNvCxnSpPr>
+              <a:cxnSpLocks/>
+            </p:cNvCxnSpPr>
+            <p:nvPr/>
+          </p:nvCxnSpPr>
+          <p:spPr>
+            <a:xfrm>
+              <a:off x="8256240" y="2708920"/>
+              <a:ext cx="1440160" cy="0"/>
+            </a:xfrm>
+            <a:prstGeom prst="straightConnector1">
+              <a:avLst/>
+            </a:prstGeom>
+            <a:ln w="28575">
+              <a:solidFill>
+                <a:srgbClr val="0070C0"/>
+              </a:solidFill>
+              <a:tailEnd type="triangle"/>
+            </a:ln>
+          </p:spPr>
+          <p:style>
+            <a:lnRef idx="1">
+              <a:schemeClr val="accent1"/>
+            </a:lnRef>
+            <a:fillRef idx="0">
+              <a:schemeClr val="accent1"/>
+            </a:fillRef>
+            <a:effectRef idx="0">
+              <a:schemeClr val="accent1"/>
+            </a:effectRef>
+            <a:fontRef idx="minor">
+              <a:schemeClr val="tx1"/>
+            </a:fontRef>
+          </p:style>
+        </p:cxnSp>
+        <p:cxnSp>
+          <p:nvCxnSpPr>
+            <p:cNvPr id="25" name="直線矢印コネクタ 24">
+              <a:extLst>
+                <a:ext uri="{FF2B5EF4-FFF2-40B4-BE49-F238E27FC236}">
+                  <a16:creationId xmlns:a16="http://schemas.microsoft.com/office/drawing/2014/main" id="{BA3CE1A2-7E8A-E6E2-07D7-AB29A190317E}"/>
+                </a:ext>
+              </a:extLst>
+            </p:cNvPr>
+            <p:cNvCxnSpPr>
+              <a:cxnSpLocks/>
+            </p:cNvCxnSpPr>
+            <p:nvPr/>
+          </p:nvCxnSpPr>
+          <p:spPr>
+            <a:xfrm flipV="1">
+              <a:off x="8256240" y="1268760"/>
+              <a:ext cx="0" cy="1440160"/>
+            </a:xfrm>
+            <a:prstGeom prst="straightConnector1">
+              <a:avLst/>
+            </a:prstGeom>
+            <a:ln w="28575">
+              <a:solidFill>
+                <a:srgbClr val="0070C0"/>
+              </a:solidFill>
+              <a:tailEnd type="triangle"/>
+            </a:ln>
+          </p:spPr>
+          <p:style>
+            <a:lnRef idx="1">
+              <a:schemeClr val="accent1"/>
+            </a:lnRef>
+            <a:fillRef idx="0">
+              <a:schemeClr val="accent1"/>
+            </a:fillRef>
+            <a:effectRef idx="0">
+              <a:schemeClr val="accent1"/>
+            </a:effectRef>
+            <a:fontRef idx="minor">
+              <a:schemeClr val="tx1"/>
+            </a:fontRef>
+          </p:style>
+        </p:cxnSp>
+      </p:grpSp>
+      <p:sp>
+        <p:nvSpPr>
+          <p:cNvPr id="30" name="フリーフォーム 29">
+            <a:extLst>
+              <a:ext uri="{FF2B5EF4-FFF2-40B4-BE49-F238E27FC236}">
+                <a16:creationId xmlns:a16="http://schemas.microsoft.com/office/drawing/2014/main" id="{08834A7B-432A-7270-5119-A375EE13C6E9}"/>
+              </a:ext>
+            </a:extLst>
+          </p:cNvPr>
+          <p:cNvSpPr/>
+          <p:nvPr/>
+        </p:nvSpPr>
+        <p:spPr>
+          <a:xfrm>
+            <a:off x="5400675" y="2475483"/>
+            <a:ext cx="82550" cy="193675"/>
+          </a:xfrm>
+          <a:custGeom>
+            <a:avLst/>
+            <a:gdLst>
+              <a:gd name="connsiteX0" fmla="*/ 0 w 82550"/>
+              <a:gd name="connsiteY0" fmla="*/ 0 h 193675"/>
+              <a:gd name="connsiteX1" fmla="*/ 63500 w 82550"/>
+              <a:gd name="connsiteY1" fmla="*/ 98425 h 193675"/>
+              <a:gd name="connsiteX2" fmla="*/ 82550 w 82550"/>
+              <a:gd name="connsiteY2" fmla="*/ 193675 h 193675"/>
+            </a:gdLst>
+            <a:ahLst/>
+            <a:cxnLst>
+              <a:cxn ang="0">
+                <a:pos x="connsiteX0" y="connsiteY0"/>
+              </a:cxn>
+              <a:cxn ang="0">
+                <a:pos x="connsiteX1" y="connsiteY1"/>
+              </a:cxn>
+              <a:cxn ang="0">
+                <a:pos x="connsiteX2" y="connsiteY2"/>
+              </a:cxn>
+            </a:cxnLst>
+            <a:rect l="l" t="t" r="r" b="b"/>
+            <a:pathLst>
+              <a:path w="82550" h="193675">
+                <a:moveTo>
+                  <a:pt x="0" y="0"/>
+                </a:moveTo>
+                <a:cubicBezTo>
+                  <a:pt x="24871" y="33073"/>
+                  <a:pt x="49742" y="66146"/>
+                  <a:pt x="63500" y="98425"/>
+                </a:cubicBezTo>
+                <a:cubicBezTo>
+                  <a:pt x="77258" y="130704"/>
+                  <a:pt x="79904" y="162189"/>
+                  <a:pt x="82550" y="193675"/>
+                </a:cubicBezTo>
+              </a:path>
+            </a:pathLst>
+          </a:custGeom>
+          <a:noFill/>
+        </p:spPr>
+        <p:style>
+          <a:lnRef idx="2">
+            <a:schemeClr val="accent1">
+              <a:shade val="15000"/>
+            </a:schemeClr>
+          </a:lnRef>
+          <a:fillRef idx="1">
+            <a:schemeClr val="accent1"/>
+          </a:fillRef>
+          <a:effectRef idx="0">
+            <a:schemeClr val="accent1"/>
+          </a:effectRef>
+          <a:fontRef idx="minor">
+            <a:schemeClr val="lt1"/>
+          </a:fontRef>
+        </p:style>
+        <p:txBody>
+          <a:bodyPr rtlCol="0" anchor="ctr"/>
+          <a:lstStyle/>
+          <a:p>
+            <a:pPr algn="ctr"/>
+            <a:endParaRPr kumimoji="1" lang="ja-JP" altLang="en-US"/>
+          </a:p>
+        </p:txBody>
+      </p:sp>
+      <p:sp>
+        <p:nvSpPr>
+          <p:cNvPr id="31" name="フリーフォーム 30">
+            <a:extLst>
+              <a:ext uri="{FF2B5EF4-FFF2-40B4-BE49-F238E27FC236}">
+                <a16:creationId xmlns:a16="http://schemas.microsoft.com/office/drawing/2014/main" id="{432409CE-35CE-2F85-3051-D273E23AFC9D}"/>
+              </a:ext>
+            </a:extLst>
+          </p:cNvPr>
+          <p:cNvSpPr/>
+          <p:nvPr/>
+        </p:nvSpPr>
+        <p:spPr>
+          <a:xfrm>
+            <a:off x="3139701" y="3789045"/>
+            <a:ext cx="147987" cy="359204"/>
+          </a:xfrm>
+          <a:custGeom>
+            <a:avLst/>
+            <a:gdLst>
+              <a:gd name="connsiteX0" fmla="*/ 0 w 82550"/>
+              <a:gd name="connsiteY0" fmla="*/ 0 h 193675"/>
+              <a:gd name="connsiteX1" fmla="*/ 63500 w 82550"/>
+              <a:gd name="connsiteY1" fmla="*/ 98425 h 193675"/>
+              <a:gd name="connsiteX2" fmla="*/ 82550 w 82550"/>
+              <a:gd name="connsiteY2" fmla="*/ 193675 h 193675"/>
+            </a:gdLst>
+            <a:ahLst/>
+            <a:cxnLst>
+              <a:cxn ang="0">
+                <a:pos x="connsiteX0" y="connsiteY0"/>
+              </a:cxn>
+              <a:cxn ang="0">
+                <a:pos x="connsiteX1" y="connsiteY1"/>
+              </a:cxn>
+              <a:cxn ang="0">
+                <a:pos x="connsiteX2" y="connsiteY2"/>
+              </a:cxn>
+            </a:cxnLst>
+            <a:rect l="l" t="t" r="r" b="b"/>
+            <a:pathLst>
+              <a:path w="82550" h="193675">
+                <a:moveTo>
+                  <a:pt x="0" y="0"/>
+                </a:moveTo>
+                <a:cubicBezTo>
+                  <a:pt x="24871" y="33073"/>
+                  <a:pt x="49742" y="66146"/>
+                  <a:pt x="63500" y="98425"/>
+                </a:cubicBezTo>
+                <a:cubicBezTo>
+                  <a:pt x="77258" y="130704"/>
+                  <a:pt x="79904" y="162189"/>
+                  <a:pt x="82550" y="193675"/>
+                </a:cubicBezTo>
+              </a:path>
+            </a:pathLst>
+          </a:custGeom>
+          <a:noFill/>
+        </p:spPr>
+        <p:style>
+          <a:lnRef idx="2">
+            <a:schemeClr val="accent1">
+              <a:shade val="15000"/>
+            </a:schemeClr>
+          </a:lnRef>
+          <a:fillRef idx="1">
+            <a:schemeClr val="accent1"/>
+          </a:fillRef>
+          <a:effectRef idx="0">
+            <a:schemeClr val="accent1"/>
+          </a:effectRef>
+          <a:fontRef idx="minor">
+            <a:schemeClr val="lt1"/>
+          </a:fontRef>
+        </p:style>
+        <p:txBody>
+          <a:bodyPr rtlCol="0" anchor="ctr"/>
+          <a:lstStyle/>
+          <a:p>
+            <a:pPr algn="ctr"/>
+            <a:endParaRPr kumimoji="1" lang="ja-JP" altLang="en-US"/>
+          </a:p>
+        </p:txBody>
+      </p:sp>
+      <mc:AlternateContent xmlns:mc="http://schemas.openxmlformats.org/markup-compatibility/2006">
+        <mc:Choice xmlns:a14="http://schemas.microsoft.com/office/drawing/2010/main" Requires="a14">
+          <p:sp>
+            <p:nvSpPr>
+              <p:cNvPr id="33" name="テキスト ボックス 32">
+                <a:extLst>
+                  <a:ext uri="{FF2B5EF4-FFF2-40B4-BE49-F238E27FC236}">
+                    <a16:creationId xmlns:a16="http://schemas.microsoft.com/office/drawing/2014/main" id="{DE6FD1A3-F7B8-E343-4AB7-FD61E4563F7D}"/>
+                  </a:ext>
+                </a:extLst>
+              </p:cNvPr>
+              <p:cNvSpPr txBox="1"/>
+              <p:nvPr/>
+            </p:nvSpPr>
+            <p:spPr>
+              <a:xfrm>
+                <a:off x="5558940" y="2361381"/>
+                <a:ext cx="209480" cy="307777"/>
+              </a:xfrm>
+              <a:prstGeom prst="rect">
+                <a:avLst/>
+              </a:prstGeom>
+              <a:noFill/>
+            </p:spPr>
+            <p:txBody>
+              <a:bodyPr wrap="none" lIns="0" tIns="0" rIns="0" bIns="0" rtlCol="0">
+                <a:spAutoFit/>
+              </a:bodyPr>
+              <a:lstStyle/>
+              <a:p>
+                <a14:m>
+                  <m:oMathPara xmlns:m="http://schemas.openxmlformats.org/officeDocument/2006/math">
+                    <m:oMathParaPr>
+                      <m:jc m:val="centerGroup"/>
+                    </m:oMathParaPr>
+                    <m:oMath xmlns:m="http://schemas.openxmlformats.org/officeDocument/2006/math">
+                      <m:r>
+                        <a:rPr kumimoji="1" lang="en-US" altLang="ja-JP" sz="2000" b="0" i="1" smtClean="0">
+                          <a:latin typeface="Cambria Math" panose="02040503050406030204" pitchFamily="18" charset="0"/>
+                        </a:rPr>
+                        <m:t>𝜃</m:t>
+                      </m:r>
+                    </m:oMath>
+                  </m:oMathPara>
+                </a14:m>
+                <a:endParaRPr kumimoji="1" lang="en-US" altLang="ja-JP" sz="2000" b="0" dirty="0"/>
+              </a:p>
+            </p:txBody>
+          </p:sp>
+        </mc:Choice>
+        <mc:Fallback>
+          <p:sp>
+            <p:nvSpPr>
+              <p:cNvPr id="33" name="テキスト ボックス 32">
+                <a:extLst>
+                  <a:ext uri="{FF2B5EF4-FFF2-40B4-BE49-F238E27FC236}">
+                    <a16:creationId xmlns:a16="http://schemas.microsoft.com/office/drawing/2014/main" id="{DE6FD1A3-F7B8-E343-4AB7-FD61E4563F7D}"/>
+                  </a:ext>
+                </a:extLst>
+              </p:cNvPr>
+              <p:cNvSpPr txBox="1">
+                <a:spLocks noRot="1" noChangeAspect="1" noMove="1" noResize="1" noEditPoints="1" noAdjustHandles="1" noChangeArrowheads="1" noChangeShapeType="1" noTextEdit="1"/>
+              </p:cNvSpPr>
+              <p:nvPr/>
+            </p:nvSpPr>
+            <p:spPr>
+              <a:xfrm>
+                <a:off x="5558940" y="2361381"/>
+                <a:ext cx="209480" cy="307777"/>
+              </a:xfrm>
+              <a:prstGeom prst="rect">
+                <a:avLst/>
+              </a:prstGeom>
+              <a:blipFill>
+                <a:blip r:embed="rId2"/>
+                <a:stretch>
+                  <a:fillRect l="-27778" r="-22222" b="-7692"/>
+                </a:stretch>
+              </a:blipFill>
+            </p:spPr>
+            <p:txBody>
+              <a:bodyPr/>
+              <a:lstStyle/>
+              <a:p>
+                <a:r>
+                  <a:rPr lang="ja-JP" altLang="en-US">
+                    <a:noFill/>
+                  </a:rPr>
+                  <a:t> </a:t>
+                </a:r>
+              </a:p>
+            </p:txBody>
+          </p:sp>
+        </mc:Fallback>
+      </mc:AlternateContent>
+      <mc:AlternateContent xmlns:mc="http://schemas.openxmlformats.org/markup-compatibility/2006">
+        <mc:Choice xmlns:a14="http://schemas.microsoft.com/office/drawing/2010/main" Requires="a14">
+          <p:sp>
+            <p:nvSpPr>
+              <p:cNvPr id="34" name="テキスト ボックス 33">
+                <a:extLst>
+                  <a:ext uri="{FF2B5EF4-FFF2-40B4-BE49-F238E27FC236}">
+                    <a16:creationId xmlns:a16="http://schemas.microsoft.com/office/drawing/2014/main" id="{54E5700E-8F91-F5B4-97B8-E3AC385F3CE5}"/>
+                  </a:ext>
+                </a:extLst>
+              </p:cNvPr>
+              <p:cNvSpPr txBox="1"/>
+              <p:nvPr/>
+            </p:nvSpPr>
+            <p:spPr>
+              <a:xfrm>
+                <a:off x="3302617" y="3763614"/>
+                <a:ext cx="209480" cy="307777"/>
+              </a:xfrm>
+              <a:prstGeom prst="rect">
+                <a:avLst/>
+              </a:prstGeom>
+              <a:noFill/>
+            </p:spPr>
+            <p:txBody>
+              <a:bodyPr wrap="none" lIns="0" tIns="0" rIns="0" bIns="0" rtlCol="0">
+                <a:spAutoFit/>
+              </a:bodyPr>
+              <a:lstStyle/>
+              <a:p>
+                <a14:m>
+                  <m:oMathPara xmlns:m="http://schemas.openxmlformats.org/officeDocument/2006/math">
+                    <m:oMathParaPr>
+                      <m:jc m:val="centerGroup"/>
+                    </m:oMathParaPr>
+                    <m:oMath xmlns:m="http://schemas.openxmlformats.org/officeDocument/2006/math">
+                      <m:r>
+                        <a:rPr kumimoji="1" lang="en-US" altLang="ja-JP" sz="2000" b="0" i="1" smtClean="0">
+                          <a:latin typeface="Cambria Math" panose="02040503050406030204" pitchFamily="18" charset="0"/>
+                        </a:rPr>
+                        <m:t>𝜃</m:t>
+                      </m:r>
+                    </m:oMath>
+                  </m:oMathPara>
+                </a14:m>
+                <a:endParaRPr kumimoji="1" lang="en-US" altLang="ja-JP" sz="2000" b="0" dirty="0"/>
+              </a:p>
+            </p:txBody>
+          </p:sp>
+        </mc:Choice>
+        <mc:Fallback>
+          <p:sp>
+            <p:nvSpPr>
+              <p:cNvPr id="34" name="テキスト ボックス 33">
+                <a:extLst>
+                  <a:ext uri="{FF2B5EF4-FFF2-40B4-BE49-F238E27FC236}">
+                    <a16:creationId xmlns:a16="http://schemas.microsoft.com/office/drawing/2014/main" id="{54E5700E-8F91-F5B4-97B8-E3AC385F3CE5}"/>
+                  </a:ext>
+                </a:extLst>
+              </p:cNvPr>
+              <p:cNvSpPr txBox="1">
+                <a:spLocks noRot="1" noChangeAspect="1" noMove="1" noResize="1" noEditPoints="1" noAdjustHandles="1" noChangeArrowheads="1" noChangeShapeType="1" noTextEdit="1"/>
+              </p:cNvSpPr>
+              <p:nvPr/>
+            </p:nvSpPr>
+            <p:spPr>
+              <a:xfrm>
+                <a:off x="3302617" y="3763614"/>
+                <a:ext cx="209480" cy="307777"/>
+              </a:xfrm>
+              <a:prstGeom prst="rect">
+                <a:avLst/>
+              </a:prstGeom>
+              <a:blipFill>
+                <a:blip r:embed="rId3"/>
+                <a:stretch>
+                  <a:fillRect l="-35294" r="-23529" b="-8000"/>
+                </a:stretch>
+              </a:blipFill>
+            </p:spPr>
+            <p:txBody>
+              <a:bodyPr/>
+              <a:lstStyle/>
+              <a:p>
+                <a:r>
+                  <a:rPr lang="ja-JP" altLang="en-US">
+                    <a:noFill/>
+                  </a:rPr>
+                  <a:t> </a:t>
+                </a:r>
+              </a:p>
+            </p:txBody>
+          </p:sp>
+        </mc:Fallback>
+      </mc:AlternateContent>
+      <mc:AlternateContent xmlns:mc="http://schemas.openxmlformats.org/markup-compatibility/2006">
+        <mc:Choice xmlns:a14="http://schemas.microsoft.com/office/drawing/2010/main" Requires="a14">
+          <p:sp>
+            <p:nvSpPr>
+              <p:cNvPr id="35" name="テキスト ボックス 34">
+                <a:extLst>
+                  <a:ext uri="{FF2B5EF4-FFF2-40B4-BE49-F238E27FC236}">
+                    <a16:creationId xmlns:a16="http://schemas.microsoft.com/office/drawing/2014/main" id="{1EDC2597-F797-196C-0360-3C47F4F2BE6E}"/>
+                  </a:ext>
+                </a:extLst>
+              </p:cNvPr>
+              <p:cNvSpPr txBox="1"/>
+              <p:nvPr/>
+            </p:nvSpPr>
+            <p:spPr>
+              <a:xfrm>
+                <a:off x="6589824" y="2531836"/>
+                <a:ext cx="350802" cy="307777"/>
+              </a:xfrm>
+              <a:prstGeom prst="rect">
+                <a:avLst/>
+              </a:prstGeom>
+              <a:noFill/>
+            </p:spPr>
+            <p:txBody>
+              <a:bodyPr wrap="none" lIns="0" tIns="0" rIns="0" bIns="0" rtlCol="0">
+                <a:spAutoFit/>
+              </a:bodyPr>
+              <a:lstStyle/>
+              <a:p>
+                <a14:m>
+                  <m:oMathPara xmlns:m="http://schemas.openxmlformats.org/officeDocument/2006/math">
+                    <m:oMathParaPr>
+                      <m:jc m:val="centerGroup"/>
+                    </m:oMathParaPr>
+                    <m:oMath xmlns:m="http://schemas.openxmlformats.org/officeDocument/2006/math">
+                      <m:r>
+                        <a:rPr kumimoji="1" lang="en-US" altLang="ja-JP" sz="2000" b="0" i="1" smtClean="0">
+                          <a:latin typeface="Cambria Math" panose="02040503050406030204" pitchFamily="18" charset="0"/>
+                        </a:rPr>
+                        <m:t>𝑑𝑥</m:t>
+                      </m:r>
+                    </m:oMath>
+                  </m:oMathPara>
+                </a14:m>
+                <a:endParaRPr kumimoji="1" lang="en-US" altLang="ja-JP" sz="2000" b="0" dirty="0"/>
+              </a:p>
+            </p:txBody>
+          </p:sp>
+        </mc:Choice>
+        <mc:Fallback>
+          <p:sp>
+            <p:nvSpPr>
+              <p:cNvPr id="35" name="テキスト ボックス 34">
+                <a:extLst>
+                  <a:ext uri="{FF2B5EF4-FFF2-40B4-BE49-F238E27FC236}">
+                    <a16:creationId xmlns:a16="http://schemas.microsoft.com/office/drawing/2014/main" id="{1EDC2597-F797-196C-0360-3C47F4F2BE6E}"/>
+                  </a:ext>
+                </a:extLst>
+              </p:cNvPr>
+              <p:cNvSpPr txBox="1">
+                <a:spLocks noRot="1" noChangeAspect="1" noMove="1" noResize="1" noEditPoints="1" noAdjustHandles="1" noChangeArrowheads="1" noChangeShapeType="1" noTextEdit="1"/>
+              </p:cNvSpPr>
+              <p:nvPr/>
+            </p:nvSpPr>
+            <p:spPr>
+              <a:xfrm>
+                <a:off x="6589824" y="2531836"/>
+                <a:ext cx="350802" cy="307777"/>
+              </a:xfrm>
+              <a:prstGeom prst="rect">
+                <a:avLst/>
+              </a:prstGeom>
+              <a:blipFill>
+                <a:blip r:embed="rId4"/>
+                <a:stretch>
+                  <a:fillRect l="-13793" r="-13793" b="-8000"/>
+                </a:stretch>
+              </a:blipFill>
+            </p:spPr>
+            <p:txBody>
+              <a:bodyPr/>
+              <a:lstStyle/>
+              <a:p>
+                <a:r>
+                  <a:rPr lang="ja-JP" altLang="en-US">
+                    <a:noFill/>
+                  </a:rPr>
+                  <a:t> </a:t>
+                </a:r>
+              </a:p>
+            </p:txBody>
+          </p:sp>
+        </mc:Fallback>
+      </mc:AlternateContent>
+      <mc:AlternateContent xmlns:mc="http://schemas.openxmlformats.org/markup-compatibility/2006">
+        <mc:Choice xmlns:a14="http://schemas.microsoft.com/office/drawing/2010/main" Requires="a14">
+          <p:sp>
+            <p:nvSpPr>
+              <p:cNvPr id="36" name="テキスト ボックス 35">
+                <a:extLst>
+                  <a:ext uri="{FF2B5EF4-FFF2-40B4-BE49-F238E27FC236}">
+                    <a16:creationId xmlns:a16="http://schemas.microsoft.com/office/drawing/2014/main" id="{DFB17EC6-6776-6882-1119-725E9979547F}"/>
+                  </a:ext>
+                </a:extLst>
+              </p:cNvPr>
+              <p:cNvSpPr txBox="1"/>
+              <p:nvPr/>
+            </p:nvSpPr>
+            <p:spPr>
+              <a:xfrm>
+                <a:off x="4831665" y="841316"/>
+                <a:ext cx="355418" cy="307777"/>
+              </a:xfrm>
+              <a:prstGeom prst="rect">
+                <a:avLst/>
+              </a:prstGeom>
+              <a:noFill/>
+            </p:spPr>
+            <p:txBody>
+              <a:bodyPr wrap="none" lIns="0" tIns="0" rIns="0" bIns="0" rtlCol="0">
+                <a:spAutoFit/>
+              </a:bodyPr>
+              <a:lstStyle/>
+              <a:p>
+                <a14:m>
+                  <m:oMathPara xmlns:m="http://schemas.openxmlformats.org/officeDocument/2006/math">
+                    <m:oMathParaPr>
+                      <m:jc m:val="centerGroup"/>
+                    </m:oMathParaPr>
+                    <m:oMath xmlns:m="http://schemas.openxmlformats.org/officeDocument/2006/math">
+                      <m:r>
+                        <a:rPr kumimoji="1" lang="en-US" altLang="ja-JP" sz="2000" b="0" i="1" smtClean="0">
+                          <a:latin typeface="Cambria Math" panose="02040503050406030204" pitchFamily="18" charset="0"/>
+                        </a:rPr>
+                        <m:t>𝑑𝑦</m:t>
+                      </m:r>
+                    </m:oMath>
+                  </m:oMathPara>
+                </a14:m>
+                <a:endParaRPr kumimoji="1" lang="en-US" altLang="ja-JP" sz="2000" b="0" dirty="0"/>
+              </a:p>
+            </p:txBody>
+          </p:sp>
+        </mc:Choice>
+        <mc:Fallback>
+          <p:sp>
+            <p:nvSpPr>
+              <p:cNvPr id="36" name="テキスト ボックス 35">
+                <a:extLst>
+                  <a:ext uri="{FF2B5EF4-FFF2-40B4-BE49-F238E27FC236}">
+                    <a16:creationId xmlns:a16="http://schemas.microsoft.com/office/drawing/2014/main" id="{DFB17EC6-6776-6882-1119-725E9979547F}"/>
+                  </a:ext>
+                </a:extLst>
+              </p:cNvPr>
+              <p:cNvSpPr txBox="1">
+                <a:spLocks noRot="1" noChangeAspect="1" noMove="1" noResize="1" noEditPoints="1" noAdjustHandles="1" noChangeArrowheads="1" noChangeShapeType="1" noTextEdit="1"/>
+              </p:cNvSpPr>
+              <p:nvPr/>
+            </p:nvSpPr>
+            <p:spPr>
+              <a:xfrm>
+                <a:off x="4831665" y="841316"/>
+                <a:ext cx="355418" cy="307777"/>
+              </a:xfrm>
+              <a:prstGeom prst="rect">
+                <a:avLst/>
+              </a:prstGeom>
+              <a:blipFill>
+                <a:blip r:embed="rId5"/>
+                <a:stretch>
+                  <a:fillRect l="-24138" r="-20690" b="-32000"/>
+                </a:stretch>
+              </a:blipFill>
+            </p:spPr>
+            <p:txBody>
+              <a:bodyPr/>
+              <a:lstStyle/>
+              <a:p>
+                <a:r>
+                  <a:rPr lang="ja-JP" altLang="en-US">
+                    <a:noFill/>
+                  </a:rPr>
+                  <a:t> </a:t>
+                </a:r>
+              </a:p>
+            </p:txBody>
+          </p:sp>
+        </mc:Fallback>
+      </mc:AlternateContent>
+      <mc:AlternateContent xmlns:mc="http://schemas.openxmlformats.org/markup-compatibility/2006">
+        <mc:Choice xmlns:a14="http://schemas.microsoft.com/office/drawing/2010/main" Requires="a14">
+          <p:sp>
+            <p:nvSpPr>
+              <p:cNvPr id="37" name="テキスト ボックス 36">
+                <a:extLst>
+                  <a:ext uri="{FF2B5EF4-FFF2-40B4-BE49-F238E27FC236}">
+                    <a16:creationId xmlns:a16="http://schemas.microsoft.com/office/drawing/2014/main" id="{FDFBB408-AE96-BDDD-CC93-7DDEC0A9CBC6}"/>
+                  </a:ext>
+                </a:extLst>
+              </p:cNvPr>
+              <p:cNvSpPr txBox="1"/>
+              <p:nvPr/>
+            </p:nvSpPr>
+            <p:spPr>
+              <a:xfrm>
+                <a:off x="6280097" y="1723214"/>
+                <a:ext cx="334258" cy="307777"/>
+              </a:xfrm>
+              <a:prstGeom prst="rect">
+                <a:avLst/>
+              </a:prstGeom>
+              <a:noFill/>
+            </p:spPr>
+            <p:txBody>
+              <a:bodyPr wrap="none" lIns="0" tIns="0" rIns="0" bIns="0" rtlCol="0">
+                <a:spAutoFit/>
+              </a:bodyPr>
+              <a:lstStyle/>
+              <a:p>
+                <a14:m>
+                  <m:oMathPara xmlns:m="http://schemas.openxmlformats.org/officeDocument/2006/math">
+                    <m:oMathParaPr>
+                      <m:jc m:val="centerGroup"/>
+                    </m:oMathParaPr>
+                    <m:oMath xmlns:m="http://schemas.openxmlformats.org/officeDocument/2006/math">
+                      <m:r>
+                        <a:rPr kumimoji="1" lang="en-US" altLang="ja-JP" sz="2000" b="0" i="1" smtClean="0">
+                          <a:latin typeface="Cambria Math" panose="02040503050406030204" pitchFamily="18" charset="0"/>
+                        </a:rPr>
+                        <m:t>𝑑𝑟</m:t>
+                      </m:r>
+                    </m:oMath>
+                  </m:oMathPara>
+                </a14:m>
+                <a:endParaRPr kumimoji="1" lang="en-US" altLang="ja-JP" sz="2000" b="0" dirty="0"/>
+              </a:p>
+            </p:txBody>
+          </p:sp>
+        </mc:Choice>
+        <mc:Fallback>
+          <p:sp>
+            <p:nvSpPr>
+              <p:cNvPr id="37" name="テキスト ボックス 36">
+                <a:extLst>
+                  <a:ext uri="{FF2B5EF4-FFF2-40B4-BE49-F238E27FC236}">
+                    <a16:creationId xmlns:a16="http://schemas.microsoft.com/office/drawing/2014/main" id="{FDFBB408-AE96-BDDD-CC93-7DDEC0A9CBC6}"/>
+                  </a:ext>
+                </a:extLst>
+              </p:cNvPr>
+              <p:cNvSpPr txBox="1">
+                <a:spLocks noRot="1" noChangeAspect="1" noMove="1" noResize="1" noEditPoints="1" noAdjustHandles="1" noChangeArrowheads="1" noChangeShapeType="1" noTextEdit="1"/>
+              </p:cNvSpPr>
+              <p:nvPr/>
+            </p:nvSpPr>
+            <p:spPr>
+              <a:xfrm>
+                <a:off x="6280097" y="1723214"/>
+                <a:ext cx="334258" cy="307777"/>
+              </a:xfrm>
+              <a:prstGeom prst="rect">
+                <a:avLst/>
+              </a:prstGeom>
+              <a:blipFill>
+                <a:blip r:embed="rId6"/>
+                <a:stretch>
+                  <a:fillRect l="-18519" r="-18519" b="-8000"/>
+                </a:stretch>
+              </a:blipFill>
+            </p:spPr>
+            <p:txBody>
+              <a:bodyPr/>
+              <a:lstStyle/>
+              <a:p>
+                <a:r>
+                  <a:rPr lang="ja-JP" altLang="en-US">
+                    <a:noFill/>
+                  </a:rPr>
+                  <a:t> </a:t>
+                </a:r>
+              </a:p>
+            </p:txBody>
+          </p:sp>
+        </mc:Fallback>
+      </mc:AlternateContent>
+      <mc:AlternateContent xmlns:mc="http://schemas.openxmlformats.org/markup-compatibility/2006">
+        <mc:Choice xmlns:a14="http://schemas.microsoft.com/office/drawing/2010/main" Requires="a14">
+          <p:sp>
+            <p:nvSpPr>
+              <p:cNvPr id="38" name="テキスト ボックス 37">
+                <a:extLst>
+                  <a:ext uri="{FF2B5EF4-FFF2-40B4-BE49-F238E27FC236}">
+                    <a16:creationId xmlns:a16="http://schemas.microsoft.com/office/drawing/2014/main" id="{122DFF9C-EA04-AF7E-1851-26205A128E92}"/>
+                  </a:ext>
+                </a:extLst>
+              </p:cNvPr>
+              <p:cNvSpPr txBox="1"/>
+              <p:nvPr/>
+            </p:nvSpPr>
+            <p:spPr>
+              <a:xfrm>
+                <a:off x="3999455" y="1119317"/>
+                <a:ext cx="480388" cy="307777"/>
+              </a:xfrm>
+              <a:prstGeom prst="rect">
+                <a:avLst/>
+              </a:prstGeom>
+              <a:noFill/>
+            </p:spPr>
+            <p:txBody>
+              <a:bodyPr wrap="none" lIns="0" tIns="0" rIns="0" bIns="0" rtlCol="0">
+                <a:spAutoFit/>
+              </a:bodyPr>
+              <a:lstStyle/>
+              <a:p>
+                <a14:m>
+                  <m:oMathPara xmlns:m="http://schemas.openxmlformats.org/officeDocument/2006/math">
+                    <m:oMathParaPr>
+                      <m:jc m:val="centerGroup"/>
+                    </m:oMathParaPr>
+                    <m:oMath xmlns:m="http://schemas.openxmlformats.org/officeDocument/2006/math">
+                      <m:r>
+                        <a:rPr kumimoji="1" lang="en-US" altLang="ja-JP" sz="2000" b="0" i="1" smtClean="0">
+                          <a:latin typeface="Cambria Math" panose="02040503050406030204" pitchFamily="18" charset="0"/>
+                        </a:rPr>
+                        <m:t>𝑟𝑑</m:t>
+                      </m:r>
+                      <m:r>
+                        <a:rPr kumimoji="1" lang="en-US" altLang="ja-JP" sz="2000" b="0" i="1" smtClean="0">
+                          <a:latin typeface="Cambria Math" panose="02040503050406030204" pitchFamily="18" charset="0"/>
+                        </a:rPr>
+                        <m:t>𝜃</m:t>
+                      </m:r>
+                    </m:oMath>
+                  </m:oMathPara>
+                </a14:m>
+                <a:endParaRPr kumimoji="1" lang="en-US" altLang="ja-JP" sz="2000" b="0" dirty="0"/>
+              </a:p>
+            </p:txBody>
+          </p:sp>
+        </mc:Choice>
+        <mc:Fallback>
+          <p:sp>
+            <p:nvSpPr>
+              <p:cNvPr id="38" name="テキスト ボックス 37">
+                <a:extLst>
+                  <a:ext uri="{FF2B5EF4-FFF2-40B4-BE49-F238E27FC236}">
+                    <a16:creationId xmlns:a16="http://schemas.microsoft.com/office/drawing/2014/main" id="{122DFF9C-EA04-AF7E-1851-26205A128E92}"/>
+                  </a:ext>
+                </a:extLst>
+              </p:cNvPr>
+              <p:cNvSpPr txBox="1">
+                <a:spLocks noRot="1" noChangeAspect="1" noMove="1" noResize="1" noEditPoints="1" noAdjustHandles="1" noChangeArrowheads="1" noChangeShapeType="1" noTextEdit="1"/>
+              </p:cNvSpPr>
+              <p:nvPr/>
+            </p:nvSpPr>
+            <p:spPr>
+              <a:xfrm>
+                <a:off x="3999455" y="1119317"/>
+                <a:ext cx="480388" cy="307777"/>
+              </a:xfrm>
+              <a:prstGeom prst="rect">
+                <a:avLst/>
+              </a:prstGeom>
+              <a:blipFill>
+                <a:blip r:embed="rId7"/>
+                <a:stretch>
+                  <a:fillRect l="-10256" r="-12821" b="-8000"/>
+                </a:stretch>
+              </a:blipFill>
+            </p:spPr>
+            <p:txBody>
+              <a:bodyPr/>
+              <a:lstStyle/>
+              <a:p>
+                <a:r>
+                  <a:rPr lang="ja-JP" altLang="en-US">
+                    <a:noFill/>
+                  </a:rPr>
+                  <a:t> </a:t>
+                </a:r>
+              </a:p>
+            </p:txBody>
+          </p:sp>
+        </mc:Fallback>
+      </mc:AlternateContent>
+      <mc:AlternateContent xmlns:mc="http://schemas.openxmlformats.org/markup-compatibility/2006">
+        <mc:Choice xmlns:a14="http://schemas.microsoft.com/office/drawing/2010/main" Requires="a14">
+          <p:sp>
+            <p:nvSpPr>
+              <p:cNvPr id="39" name="テキスト ボックス 38">
+                <a:extLst>
+                  <a:ext uri="{FF2B5EF4-FFF2-40B4-BE49-F238E27FC236}">
+                    <a16:creationId xmlns:a16="http://schemas.microsoft.com/office/drawing/2014/main" id="{CD63FF46-9E61-BECF-C02E-F1A5B2F93AFB}"/>
+                  </a:ext>
+                </a:extLst>
+              </p:cNvPr>
+              <p:cNvSpPr txBox="1"/>
+              <p:nvPr/>
+            </p:nvSpPr>
+            <p:spPr>
+              <a:xfrm>
+                <a:off x="2266868" y="4147592"/>
+                <a:ext cx="237116" cy="307777"/>
+              </a:xfrm>
+              <a:prstGeom prst="rect">
+                <a:avLst/>
+              </a:prstGeom>
+              <a:noFill/>
+            </p:spPr>
+            <p:txBody>
+              <a:bodyPr wrap="none" lIns="0" tIns="0" rIns="0" bIns="0" rtlCol="0">
+                <a:spAutoFit/>
+              </a:bodyPr>
+              <a:lstStyle/>
+              <a:p>
+                <a14:m>
+                  <m:oMathPara xmlns:m="http://schemas.openxmlformats.org/officeDocument/2006/math">
+                    <m:oMathParaPr>
+                      <m:jc m:val="centerGroup"/>
+                    </m:oMathParaPr>
+                    <m:oMath xmlns:m="http://schemas.openxmlformats.org/officeDocument/2006/math">
+                      <m:r>
+                        <a:rPr kumimoji="1" lang="en-US" altLang="ja-JP" sz="2000" b="0" i="1" smtClean="0">
+                          <a:latin typeface="Cambria Math" panose="02040503050406030204" pitchFamily="18" charset="0"/>
+                        </a:rPr>
+                        <m:t>𝑂</m:t>
+                      </m:r>
+                    </m:oMath>
+                  </m:oMathPara>
+                </a14:m>
+                <a:endParaRPr kumimoji="1" lang="en-US" altLang="ja-JP" sz="2000" b="0" dirty="0"/>
+              </a:p>
+            </p:txBody>
+          </p:sp>
+        </mc:Choice>
+        <mc:Fallback>
+          <p:sp>
+            <p:nvSpPr>
+              <p:cNvPr id="39" name="テキスト ボックス 38">
+                <a:extLst>
+                  <a:ext uri="{FF2B5EF4-FFF2-40B4-BE49-F238E27FC236}">
+                    <a16:creationId xmlns:a16="http://schemas.microsoft.com/office/drawing/2014/main" id="{CD63FF46-9E61-BECF-C02E-F1A5B2F93AFB}"/>
+                  </a:ext>
+                </a:extLst>
+              </p:cNvPr>
+              <p:cNvSpPr txBox="1">
+                <a:spLocks noRot="1" noChangeAspect="1" noMove="1" noResize="1" noEditPoints="1" noAdjustHandles="1" noChangeArrowheads="1" noChangeShapeType="1" noTextEdit="1"/>
+              </p:cNvSpPr>
+              <p:nvPr/>
+            </p:nvSpPr>
+            <p:spPr>
+              <a:xfrm>
+                <a:off x="2266868" y="4147592"/>
+                <a:ext cx="237116" cy="307777"/>
+              </a:xfrm>
+              <a:prstGeom prst="rect">
+                <a:avLst/>
+              </a:prstGeom>
+              <a:blipFill>
+                <a:blip r:embed="rId8"/>
+                <a:stretch>
+                  <a:fillRect l="-20000" r="-20000" b="-8000"/>
+                </a:stretch>
+              </a:blipFill>
+            </p:spPr>
+            <p:txBody>
+              <a:bodyPr/>
+              <a:lstStyle/>
+              <a:p>
+                <a:r>
+                  <a:rPr lang="ja-JP" altLang="en-US">
+                    <a:noFill/>
+                  </a:rPr>
+                  <a:t> </a:t>
+                </a:r>
+              </a:p>
+            </p:txBody>
+          </p:sp>
+        </mc:Fallback>
+      </mc:AlternateContent>
+    </p:spTree>
+    <p:extLst>
+      <p:ext uri="{BB962C8B-B14F-4D97-AF65-F5344CB8AC3E}">
+        <p14:creationId xmlns:p14="http://schemas.microsoft.com/office/powerpoint/2010/main" val="3329559913"/>
+      </p:ext>
+    </p:extLst>
+  </p:cSld>
+  <p:clrMapOvr>
+    <a:masterClrMapping/>
+  </p:clrMapOvr>
+</p:sld>
+</file>
+
 <file path=ppt/theme/theme1.xml><?xml version="1.0" encoding="utf-8"?>
 <a:theme xmlns:a="http://schemas.openxmlformats.org/drawingml/2006/main" name="Office テーマ">
   <a:themeElements>

--- a/newton/fig/fig.pptx
+++ b/newton/fig/fig.pptx
@@ -9,6 +9,7 @@
     <p:sldId id="257" r:id="rId3"/>
     <p:sldId id="258" r:id="rId4"/>
     <p:sldId id="259" r:id="rId5"/>
+    <p:sldId id="260" r:id="rId6"/>
   </p:sldIdLst>
   <p:sldSz cx="12192000" cy="6858000"/>
   <p:notesSz cx="6858000" cy="9144000"/>
@@ -5333,8 +5334,8 @@
           </a:p>
         </p:txBody>
       </p:sp>
-      <mc:AlternateContent xmlns:mc="http://schemas.openxmlformats.org/markup-compatibility/2006">
-        <mc:Choice xmlns:a14="http://schemas.microsoft.com/office/drawing/2010/main" Requires="a14">
+      <mc:AlternateContent xmlns:mc="http://schemas.openxmlformats.org/markup-compatibility/2006" xmlns:a14="http://schemas.microsoft.com/office/drawing/2010/main">
+        <mc:Choice Requires="a14">
           <p:sp>
             <p:nvSpPr>
               <p:cNvPr id="33" name="テキスト ボックス 32">
@@ -5363,6 +5364,7 @@
               </a:bodyPr>
               <a:lstStyle/>
               <a:p>
+                <a:pPr/>
                 <a14:m>
                   <m:oMathPara xmlns:m="http://schemas.openxmlformats.org/officeDocument/2006/math">
                     <m:oMathParaPr>
@@ -5383,7 +5385,7 @@
             </p:txBody>
           </p:sp>
         </mc:Choice>
-        <mc:Fallback>
+        <mc:Fallback xmlns="">
           <p:sp>
             <p:nvSpPr>
               <p:cNvPr id="33" name="テキスト ボックス 32">
@@ -5428,8 +5430,8 @@
           </p:sp>
         </mc:Fallback>
       </mc:AlternateContent>
-      <mc:AlternateContent xmlns:mc="http://schemas.openxmlformats.org/markup-compatibility/2006">
-        <mc:Choice xmlns:a14="http://schemas.microsoft.com/office/drawing/2010/main" Requires="a14">
+      <mc:AlternateContent xmlns:mc="http://schemas.openxmlformats.org/markup-compatibility/2006" xmlns:a14="http://schemas.microsoft.com/office/drawing/2010/main">
+        <mc:Choice Requires="a14">
           <p:sp>
             <p:nvSpPr>
               <p:cNvPr id="34" name="テキスト ボックス 33">
@@ -5458,6 +5460,7 @@
               </a:bodyPr>
               <a:lstStyle/>
               <a:p>
+                <a:pPr/>
                 <a14:m>
                   <m:oMathPara xmlns:m="http://schemas.openxmlformats.org/officeDocument/2006/math">
                     <m:oMathParaPr>
@@ -5478,7 +5481,7 @@
             </p:txBody>
           </p:sp>
         </mc:Choice>
-        <mc:Fallback>
+        <mc:Fallback xmlns="">
           <p:sp>
             <p:nvSpPr>
               <p:cNvPr id="34" name="テキスト ボックス 33">
@@ -5523,8 +5526,8 @@
           </p:sp>
         </mc:Fallback>
       </mc:AlternateContent>
-      <mc:AlternateContent xmlns:mc="http://schemas.openxmlformats.org/markup-compatibility/2006">
-        <mc:Choice xmlns:a14="http://schemas.microsoft.com/office/drawing/2010/main" Requires="a14">
+      <mc:AlternateContent xmlns:mc="http://schemas.openxmlformats.org/markup-compatibility/2006" xmlns:a14="http://schemas.microsoft.com/office/drawing/2010/main">
+        <mc:Choice Requires="a14">
           <p:sp>
             <p:nvSpPr>
               <p:cNvPr id="35" name="テキスト ボックス 34">
@@ -5553,6 +5556,7 @@
               </a:bodyPr>
               <a:lstStyle/>
               <a:p>
+                <a:pPr/>
                 <a14:m>
                   <m:oMathPara xmlns:m="http://schemas.openxmlformats.org/officeDocument/2006/math">
                     <m:oMathParaPr>
@@ -5573,7 +5577,7 @@
             </p:txBody>
           </p:sp>
         </mc:Choice>
-        <mc:Fallback>
+        <mc:Fallback xmlns="">
           <p:sp>
             <p:nvSpPr>
               <p:cNvPr id="35" name="テキスト ボックス 34">
@@ -5618,8 +5622,8 @@
           </p:sp>
         </mc:Fallback>
       </mc:AlternateContent>
-      <mc:AlternateContent xmlns:mc="http://schemas.openxmlformats.org/markup-compatibility/2006">
-        <mc:Choice xmlns:a14="http://schemas.microsoft.com/office/drawing/2010/main" Requires="a14">
+      <mc:AlternateContent xmlns:mc="http://schemas.openxmlformats.org/markup-compatibility/2006" xmlns:a14="http://schemas.microsoft.com/office/drawing/2010/main">
+        <mc:Choice Requires="a14">
           <p:sp>
             <p:nvSpPr>
               <p:cNvPr id="36" name="テキスト ボックス 35">
@@ -5648,6 +5652,7 @@
               </a:bodyPr>
               <a:lstStyle/>
               <a:p>
+                <a:pPr/>
                 <a14:m>
                   <m:oMathPara xmlns:m="http://schemas.openxmlformats.org/officeDocument/2006/math">
                     <m:oMathParaPr>
@@ -5668,7 +5673,7 @@
             </p:txBody>
           </p:sp>
         </mc:Choice>
-        <mc:Fallback>
+        <mc:Fallback xmlns="">
           <p:sp>
             <p:nvSpPr>
               <p:cNvPr id="36" name="テキスト ボックス 35">
@@ -5713,8 +5718,8 @@
           </p:sp>
         </mc:Fallback>
       </mc:AlternateContent>
-      <mc:AlternateContent xmlns:mc="http://schemas.openxmlformats.org/markup-compatibility/2006">
-        <mc:Choice xmlns:a14="http://schemas.microsoft.com/office/drawing/2010/main" Requires="a14">
+      <mc:AlternateContent xmlns:mc="http://schemas.openxmlformats.org/markup-compatibility/2006" xmlns:a14="http://schemas.microsoft.com/office/drawing/2010/main">
+        <mc:Choice Requires="a14">
           <p:sp>
             <p:nvSpPr>
               <p:cNvPr id="37" name="テキスト ボックス 36">
@@ -5743,6 +5748,7 @@
               </a:bodyPr>
               <a:lstStyle/>
               <a:p>
+                <a:pPr/>
                 <a14:m>
                   <m:oMathPara xmlns:m="http://schemas.openxmlformats.org/officeDocument/2006/math">
                     <m:oMathParaPr>
@@ -5763,7 +5769,7 @@
             </p:txBody>
           </p:sp>
         </mc:Choice>
-        <mc:Fallback>
+        <mc:Fallback xmlns="">
           <p:sp>
             <p:nvSpPr>
               <p:cNvPr id="37" name="テキスト ボックス 36">
@@ -5808,8 +5814,8 @@
           </p:sp>
         </mc:Fallback>
       </mc:AlternateContent>
-      <mc:AlternateContent xmlns:mc="http://schemas.openxmlformats.org/markup-compatibility/2006">
-        <mc:Choice xmlns:a14="http://schemas.microsoft.com/office/drawing/2010/main" Requires="a14">
+      <mc:AlternateContent xmlns:mc="http://schemas.openxmlformats.org/markup-compatibility/2006" xmlns:a14="http://schemas.microsoft.com/office/drawing/2010/main">
+        <mc:Choice Requires="a14">
           <p:sp>
             <p:nvSpPr>
               <p:cNvPr id="38" name="テキスト ボックス 37">
@@ -5838,6 +5844,7 @@
               </a:bodyPr>
               <a:lstStyle/>
               <a:p>
+                <a:pPr/>
                 <a14:m>
                   <m:oMathPara xmlns:m="http://schemas.openxmlformats.org/officeDocument/2006/math">
                     <m:oMathParaPr>
@@ -5864,7 +5871,7 @@
             </p:txBody>
           </p:sp>
         </mc:Choice>
-        <mc:Fallback>
+        <mc:Fallback xmlns="">
           <p:sp>
             <p:nvSpPr>
               <p:cNvPr id="38" name="テキスト ボックス 37">
@@ -5909,8 +5916,8 @@
           </p:sp>
         </mc:Fallback>
       </mc:AlternateContent>
-      <mc:AlternateContent xmlns:mc="http://schemas.openxmlformats.org/markup-compatibility/2006">
-        <mc:Choice xmlns:a14="http://schemas.microsoft.com/office/drawing/2010/main" Requires="a14">
+      <mc:AlternateContent xmlns:mc="http://schemas.openxmlformats.org/markup-compatibility/2006" xmlns:a14="http://schemas.microsoft.com/office/drawing/2010/main">
+        <mc:Choice Requires="a14">
           <p:sp>
             <p:nvSpPr>
               <p:cNvPr id="39" name="テキスト ボックス 38">
@@ -5939,6 +5946,7 @@
               </a:bodyPr>
               <a:lstStyle/>
               <a:p>
+                <a:pPr/>
                 <a14:m>
                   <m:oMathPara xmlns:m="http://schemas.openxmlformats.org/officeDocument/2006/math">
                     <m:oMathParaPr>
@@ -5959,7 +5967,7 @@
             </p:txBody>
           </p:sp>
         </mc:Choice>
-        <mc:Fallback>
+        <mc:Fallback xmlns="">
           <p:sp>
             <p:nvSpPr>
               <p:cNvPr id="39" name="テキスト ボックス 38">
@@ -6008,6 +6016,513 @@
     <p:extLst>
       <p:ext uri="{BB962C8B-B14F-4D97-AF65-F5344CB8AC3E}">
         <p14:creationId xmlns:p14="http://schemas.microsoft.com/office/powerpoint/2010/main" val="3329559913"/>
+      </p:ext>
+    </p:extLst>
+  </p:cSld>
+  <p:clrMapOvr>
+    <a:masterClrMapping/>
+  </p:clrMapOvr>
+</p:sld>
+</file>
+
+<file path=ppt/slides/slide5.xml><?xml version="1.0" encoding="utf-8"?>
+<p:sld xmlns:a="http://schemas.openxmlformats.org/drawingml/2006/main" xmlns:r="http://schemas.openxmlformats.org/officeDocument/2006/relationships" xmlns:p="http://schemas.openxmlformats.org/presentationml/2006/main">
+  <p:cSld>
+    <p:spTree>
+      <p:nvGrpSpPr>
+        <p:cNvPr id="1" name=""/>
+        <p:cNvGrpSpPr/>
+        <p:nvPr/>
+      </p:nvGrpSpPr>
+      <p:grpSpPr>
+        <a:xfrm>
+          <a:off x="0" y="0"/>
+          <a:ext cx="0" cy="0"/>
+          <a:chOff x="0" y="0"/>
+          <a:chExt cx="0" cy="0"/>
+        </a:xfrm>
+      </p:grpSpPr>
+      <p:pic>
+        <p:nvPicPr>
+          <p:cNvPr id="1026" name="Picture 2" descr="■">
+            <a:extLst>
+              <a:ext uri="{FF2B5EF4-FFF2-40B4-BE49-F238E27FC236}">
+                <a16:creationId xmlns:a16="http://schemas.microsoft.com/office/drawing/2014/main" id="{7D6E1073-16D5-4875-806E-30B6C78BED07}"/>
+              </a:ext>
+            </a:extLst>
+          </p:cNvPr>
+          <p:cNvPicPr>
+            <a:picLocks noChangeAspect="1" noChangeArrowheads="1"/>
+          </p:cNvPicPr>
+          <p:nvPr/>
+        </p:nvPicPr>
+        <p:blipFill>
+          <a:blip r:embed="rId2">
+            <a:extLst>
+              <a:ext uri="{28A0092B-C50C-407E-A947-70E740481C1C}">
+                <a14:useLocalDpi xmlns:a14="http://schemas.microsoft.com/office/drawing/2010/main" val="0"/>
+              </a:ext>
+            </a:extLst>
+          </a:blip>
+          <a:srcRect/>
+          <a:stretch>
+            <a:fillRect/>
+          </a:stretch>
+        </p:blipFill>
+        <p:spPr bwMode="auto">
+          <a:xfrm>
+            <a:off x="2999656" y="4005064"/>
+            <a:ext cx="1512503" cy="1675904"/>
+          </a:xfrm>
+          <a:prstGeom prst="rect">
+            <a:avLst/>
+          </a:prstGeom>
+          <a:noFill/>
+          <a:extLst>
+            <a:ext uri="{909E8E84-426E-40DD-AFC4-6F175D3DCCD1}">
+              <a14:hiddenFill xmlns:a14="http://schemas.microsoft.com/office/drawing/2010/main">
+                <a:solidFill>
+                  <a:srgbClr val="FFFFFF"/>
+                </a:solidFill>
+              </a14:hiddenFill>
+            </a:ext>
+          </a:extLst>
+        </p:spPr>
+      </p:pic>
+      <p:sp>
+        <p:nvSpPr>
+          <p:cNvPr id="2" name="正方形/長方形 1">
+            <a:extLst>
+              <a:ext uri="{FF2B5EF4-FFF2-40B4-BE49-F238E27FC236}">
+                <a16:creationId xmlns:a16="http://schemas.microsoft.com/office/drawing/2014/main" id="{3C206E8D-0DBD-198F-CBA2-D676F2D20829}"/>
+              </a:ext>
+            </a:extLst>
+          </p:cNvPr>
+          <p:cNvSpPr/>
+          <p:nvPr/>
+        </p:nvSpPr>
+        <p:spPr>
+          <a:xfrm>
+            <a:off x="2172066" y="1012104"/>
+            <a:ext cx="3312368" cy="3024336"/>
+          </a:xfrm>
+          <a:prstGeom prst="rect">
+            <a:avLst/>
+          </a:prstGeom>
+          <a:noFill/>
+          <a:ln w="57150">
+            <a:solidFill>
+              <a:schemeClr val="accent1"/>
+            </a:solidFill>
+          </a:ln>
+        </p:spPr>
+        <p:style>
+          <a:lnRef idx="2">
+            <a:schemeClr val="accent1">
+              <a:shade val="15000"/>
+            </a:schemeClr>
+          </a:lnRef>
+          <a:fillRef idx="1">
+            <a:schemeClr val="accent1"/>
+          </a:fillRef>
+          <a:effectRef idx="0">
+            <a:schemeClr val="accent1"/>
+          </a:effectRef>
+          <a:fontRef idx="minor">
+            <a:schemeClr val="lt1"/>
+          </a:fontRef>
+        </p:style>
+        <p:txBody>
+          <a:bodyPr rtlCol="0" anchor="ctr"/>
+          <a:lstStyle/>
+          <a:p>
+            <a:pPr algn="ctr"/>
+            <a:endParaRPr kumimoji="1" lang="ja-JP" altLang="en-US"/>
+          </a:p>
+        </p:txBody>
+      </p:sp>
+      <p:pic>
+        <p:nvPicPr>
+          <p:cNvPr id="1028" name="Picture 4" descr="ヘリコプターのイラスト">
+            <a:extLst>
+              <a:ext uri="{FF2B5EF4-FFF2-40B4-BE49-F238E27FC236}">
+                <a16:creationId xmlns:a16="http://schemas.microsoft.com/office/drawing/2014/main" id="{9426ECF5-52B4-C025-2C99-EFC621283161}"/>
+              </a:ext>
+            </a:extLst>
+          </p:cNvPr>
+          <p:cNvPicPr>
+            <a:picLocks noChangeAspect="1" noChangeArrowheads="1"/>
+          </p:cNvPicPr>
+          <p:nvPr/>
+        </p:nvPicPr>
+        <p:blipFill>
+          <a:blip r:embed="rId3">
+            <a:extLst>
+              <a:ext uri="{28A0092B-C50C-407E-A947-70E740481C1C}">
+                <a14:useLocalDpi xmlns:a14="http://schemas.microsoft.com/office/drawing/2010/main" val="0"/>
+              </a:ext>
+            </a:extLst>
+          </a:blip>
+          <a:srcRect/>
+          <a:stretch>
+            <a:fillRect/>
+          </a:stretch>
+        </p:blipFill>
+        <p:spPr bwMode="auto">
+          <a:xfrm>
+            <a:off x="3216015" y="2996952"/>
+            <a:ext cx="1418917" cy="1184796"/>
+          </a:xfrm>
+          <a:prstGeom prst="rect">
+            <a:avLst/>
+          </a:prstGeom>
+          <a:noFill/>
+          <a:extLst>
+            <a:ext uri="{909E8E84-426E-40DD-AFC4-6F175D3DCCD1}">
+              <a14:hiddenFill xmlns:a14="http://schemas.microsoft.com/office/drawing/2010/main">
+                <a:solidFill>
+                  <a:srgbClr val="FFFFFF"/>
+                </a:solidFill>
+              </a14:hiddenFill>
+            </a:ext>
+          </a:extLst>
+        </p:spPr>
+      </p:pic>
+      <p:pic>
+        <p:nvPicPr>
+          <p:cNvPr id="3" name="図 2">
+            <a:extLst>
+              <a:ext uri="{FF2B5EF4-FFF2-40B4-BE49-F238E27FC236}">
+                <a16:creationId xmlns:a16="http://schemas.microsoft.com/office/drawing/2014/main" id="{0B221128-6FA4-49C2-F8DC-9E2A088619A6}"/>
+              </a:ext>
+            </a:extLst>
+          </p:cNvPr>
+          <p:cNvPicPr>
+            <a:picLocks noChangeAspect="1"/>
+          </p:cNvPicPr>
+          <p:nvPr/>
+        </p:nvPicPr>
+        <p:blipFill>
+          <a:blip r:embed="rId4"/>
+          <a:stretch>
+            <a:fillRect/>
+          </a:stretch>
+        </p:blipFill>
+        <p:spPr>
+          <a:xfrm>
+            <a:off x="407368" y="3092300"/>
+            <a:ext cx="1251389" cy="1814312"/>
+          </a:xfrm>
+          <a:prstGeom prst="rect">
+            <a:avLst/>
+          </a:prstGeom>
+        </p:spPr>
+      </p:pic>
+      <p:pic>
+        <p:nvPicPr>
+          <p:cNvPr id="4" name="Picture 2" descr="■">
+            <a:extLst>
+              <a:ext uri="{FF2B5EF4-FFF2-40B4-BE49-F238E27FC236}">
+                <a16:creationId xmlns:a16="http://schemas.microsoft.com/office/drawing/2014/main" id="{16EDE927-88CE-769D-1D05-8EA228472B12}"/>
+              </a:ext>
+            </a:extLst>
+          </p:cNvPr>
+          <p:cNvPicPr>
+            <a:picLocks noChangeAspect="1" noChangeArrowheads="1"/>
+          </p:cNvPicPr>
+          <p:nvPr/>
+        </p:nvPicPr>
+        <p:blipFill>
+          <a:blip r:embed="rId2">
+            <a:extLst>
+              <a:ext uri="{28A0092B-C50C-407E-A947-70E740481C1C}">
+                <a14:useLocalDpi xmlns:a14="http://schemas.microsoft.com/office/drawing/2010/main" val="0"/>
+              </a:ext>
+            </a:extLst>
+          </a:blip>
+          <a:srcRect/>
+          <a:stretch>
+            <a:fillRect/>
+          </a:stretch>
+        </p:blipFill>
+        <p:spPr bwMode="auto">
+          <a:xfrm>
+            <a:off x="8039881" y="4005064"/>
+            <a:ext cx="1512503" cy="1675904"/>
+          </a:xfrm>
+          <a:prstGeom prst="rect">
+            <a:avLst/>
+          </a:prstGeom>
+          <a:noFill/>
+          <a:extLst>
+            <a:ext uri="{909E8E84-426E-40DD-AFC4-6F175D3DCCD1}">
+              <a14:hiddenFill xmlns:a14="http://schemas.microsoft.com/office/drawing/2010/main">
+                <a:solidFill>
+                  <a:srgbClr val="FFFFFF"/>
+                </a:solidFill>
+              </a14:hiddenFill>
+            </a:ext>
+          </a:extLst>
+        </p:spPr>
+      </p:pic>
+      <p:sp>
+        <p:nvSpPr>
+          <p:cNvPr id="5" name="正方形/長方形 4">
+            <a:extLst>
+              <a:ext uri="{FF2B5EF4-FFF2-40B4-BE49-F238E27FC236}">
+                <a16:creationId xmlns:a16="http://schemas.microsoft.com/office/drawing/2014/main" id="{E7EB5133-5336-3262-77AE-11EA6225DFD1}"/>
+              </a:ext>
+            </a:extLst>
+          </p:cNvPr>
+          <p:cNvSpPr/>
+          <p:nvPr/>
+        </p:nvSpPr>
+        <p:spPr>
+          <a:xfrm>
+            <a:off x="7212291" y="1012104"/>
+            <a:ext cx="3312368" cy="3024336"/>
+          </a:xfrm>
+          <a:prstGeom prst="rect">
+            <a:avLst/>
+          </a:prstGeom>
+          <a:noFill/>
+          <a:ln w="57150">
+            <a:solidFill>
+              <a:schemeClr val="accent1"/>
+            </a:solidFill>
+          </a:ln>
+        </p:spPr>
+        <p:style>
+          <a:lnRef idx="2">
+            <a:schemeClr val="accent1">
+              <a:shade val="15000"/>
+            </a:schemeClr>
+          </a:lnRef>
+          <a:fillRef idx="1">
+            <a:schemeClr val="accent1"/>
+          </a:fillRef>
+          <a:effectRef idx="0">
+            <a:schemeClr val="accent1"/>
+          </a:effectRef>
+          <a:fontRef idx="minor">
+            <a:schemeClr val="lt1"/>
+          </a:fontRef>
+        </p:style>
+        <p:txBody>
+          <a:bodyPr rtlCol="0" anchor="ctr"/>
+          <a:lstStyle/>
+          <a:p>
+            <a:pPr algn="ctr"/>
+            <a:endParaRPr kumimoji="1" lang="ja-JP" altLang="en-US"/>
+          </a:p>
+        </p:txBody>
+      </p:sp>
+      <p:pic>
+        <p:nvPicPr>
+          <p:cNvPr id="6" name="Picture 4" descr="ヘリコプターのイラスト">
+            <a:extLst>
+              <a:ext uri="{FF2B5EF4-FFF2-40B4-BE49-F238E27FC236}">
+                <a16:creationId xmlns:a16="http://schemas.microsoft.com/office/drawing/2014/main" id="{2254797D-75A5-E246-F157-8FD3525439F4}"/>
+              </a:ext>
+            </a:extLst>
+          </p:cNvPr>
+          <p:cNvPicPr>
+            <a:picLocks noChangeAspect="1" noChangeArrowheads="1"/>
+          </p:cNvPicPr>
+          <p:nvPr/>
+        </p:nvPicPr>
+        <p:blipFill>
+          <a:blip r:embed="rId3">
+            <a:extLst>
+              <a:ext uri="{28A0092B-C50C-407E-A947-70E740481C1C}">
+                <a14:useLocalDpi xmlns:a14="http://schemas.microsoft.com/office/drawing/2010/main" val="0"/>
+              </a:ext>
+            </a:extLst>
+          </a:blip>
+          <a:srcRect/>
+          <a:stretch>
+            <a:fillRect/>
+          </a:stretch>
+        </p:blipFill>
+        <p:spPr bwMode="auto">
+          <a:xfrm>
+            <a:off x="8256240" y="1823338"/>
+            <a:ext cx="1418917" cy="1184796"/>
+          </a:xfrm>
+          <a:prstGeom prst="rect">
+            <a:avLst/>
+          </a:prstGeom>
+          <a:noFill/>
+          <a:extLst>
+            <a:ext uri="{909E8E84-426E-40DD-AFC4-6F175D3DCCD1}">
+              <a14:hiddenFill xmlns:a14="http://schemas.microsoft.com/office/drawing/2010/main">
+                <a:solidFill>
+                  <a:srgbClr val="FFFFFF"/>
+                </a:solidFill>
+              </a14:hiddenFill>
+            </a:ext>
+          </a:extLst>
+        </p:spPr>
+      </p:pic>
+      <p:sp>
+        <p:nvSpPr>
+          <p:cNvPr id="7" name="円/楕円 6">
+            <a:extLst>
+              <a:ext uri="{FF2B5EF4-FFF2-40B4-BE49-F238E27FC236}">
+                <a16:creationId xmlns:a16="http://schemas.microsoft.com/office/drawing/2014/main" id="{F0C87339-EFC4-4483-4E81-A75558C6E0F9}"/>
+              </a:ext>
+            </a:extLst>
+          </p:cNvPr>
+          <p:cNvSpPr/>
+          <p:nvPr/>
+        </p:nvSpPr>
+        <p:spPr>
+          <a:xfrm>
+            <a:off x="8418926" y="4542158"/>
+            <a:ext cx="739918" cy="695443"/>
+          </a:xfrm>
+          <a:prstGeom prst="ellipse">
+            <a:avLst/>
+          </a:prstGeom>
+          <a:solidFill>
+            <a:schemeClr val="bg1"/>
+          </a:solidFill>
+          <a:ln>
+            <a:solidFill>
+              <a:schemeClr val="bg1"/>
+            </a:solidFill>
+          </a:ln>
+        </p:spPr>
+        <p:style>
+          <a:lnRef idx="2">
+            <a:schemeClr val="accent1">
+              <a:shade val="15000"/>
+            </a:schemeClr>
+          </a:lnRef>
+          <a:fillRef idx="1">
+            <a:schemeClr val="accent1"/>
+          </a:fillRef>
+          <a:effectRef idx="0">
+            <a:schemeClr val="accent1"/>
+          </a:effectRef>
+          <a:fontRef idx="minor">
+            <a:schemeClr val="lt1"/>
+          </a:fontRef>
+        </p:style>
+        <p:txBody>
+          <a:bodyPr rtlCol="0" anchor="ctr"/>
+          <a:lstStyle/>
+          <a:p>
+            <a:pPr algn="ctr"/>
+            <a:endParaRPr kumimoji="1" lang="ja-JP" altLang="en-US"/>
+          </a:p>
+        </p:txBody>
+      </p:sp>
+      <p:pic>
+        <p:nvPicPr>
+          <p:cNvPr id="1034" name="Picture 10" descr="はてなマーク・クエスチョンマーク">
+            <a:extLst>
+              <a:ext uri="{FF2B5EF4-FFF2-40B4-BE49-F238E27FC236}">
+                <a16:creationId xmlns:a16="http://schemas.microsoft.com/office/drawing/2014/main" id="{D76410D3-A5DA-7E0D-899C-921614DACD19}"/>
+              </a:ext>
+            </a:extLst>
+          </p:cNvPr>
+          <p:cNvPicPr>
+            <a:picLocks noChangeAspect="1" noChangeArrowheads="1"/>
+          </p:cNvPicPr>
+          <p:nvPr/>
+        </p:nvPicPr>
+        <p:blipFill>
+          <a:blip r:embed="rId5">
+            <a:extLst>
+              <a:ext uri="{28A0092B-C50C-407E-A947-70E740481C1C}">
+                <a14:useLocalDpi xmlns:a14="http://schemas.microsoft.com/office/drawing/2010/main" val="0"/>
+              </a:ext>
+            </a:extLst>
+          </a:blip>
+          <a:srcRect/>
+          <a:stretch>
+            <a:fillRect/>
+          </a:stretch>
+        </p:blipFill>
+        <p:spPr bwMode="auto">
+          <a:xfrm>
+            <a:off x="8528830" y="4558599"/>
+            <a:ext cx="520110" cy="662560"/>
+          </a:xfrm>
+          <a:prstGeom prst="rect">
+            <a:avLst/>
+          </a:prstGeom>
+          <a:noFill/>
+          <a:extLst>
+            <a:ext uri="{909E8E84-426E-40DD-AFC4-6F175D3DCCD1}">
+              <a14:hiddenFill xmlns:a14="http://schemas.microsoft.com/office/drawing/2010/main">
+                <a:solidFill>
+                  <a:srgbClr val="FFFFFF"/>
+                </a:solidFill>
+              </a14:hiddenFill>
+            </a:ext>
+          </a:extLst>
+        </p:spPr>
+      </p:pic>
+      <p:sp>
+        <p:nvSpPr>
+          <p:cNvPr id="8" name="右矢印 7">
+            <a:extLst>
+              <a:ext uri="{FF2B5EF4-FFF2-40B4-BE49-F238E27FC236}">
+                <a16:creationId xmlns:a16="http://schemas.microsoft.com/office/drawing/2014/main" id="{A519A063-9CF8-D07C-BCEA-CF1DD59A87FA}"/>
+              </a:ext>
+            </a:extLst>
+          </p:cNvPr>
+          <p:cNvSpPr/>
+          <p:nvPr/>
+        </p:nvSpPr>
+        <p:spPr>
+          <a:xfrm>
+            <a:off x="5898229" y="2688667"/>
+            <a:ext cx="792088" cy="760712"/>
+          </a:xfrm>
+          <a:prstGeom prst="rightArrow">
+            <a:avLst/>
+          </a:prstGeom>
+          <a:solidFill>
+            <a:srgbClr val="FF0000"/>
+          </a:solidFill>
+          <a:ln>
+            <a:solidFill>
+              <a:schemeClr val="tx1"/>
+            </a:solidFill>
+          </a:ln>
+        </p:spPr>
+        <p:style>
+          <a:lnRef idx="2">
+            <a:schemeClr val="accent1">
+              <a:shade val="15000"/>
+            </a:schemeClr>
+          </a:lnRef>
+          <a:fillRef idx="1">
+            <a:schemeClr val="accent1"/>
+          </a:fillRef>
+          <a:effectRef idx="0">
+            <a:schemeClr val="accent1"/>
+          </a:effectRef>
+          <a:fontRef idx="minor">
+            <a:schemeClr val="lt1"/>
+          </a:fontRef>
+        </p:style>
+        <p:txBody>
+          <a:bodyPr rtlCol="0" anchor="ctr"/>
+          <a:lstStyle/>
+          <a:p>
+            <a:pPr algn="ctr"/>
+            <a:endParaRPr kumimoji="1" lang="ja-JP" altLang="en-US"/>
+          </a:p>
+        </p:txBody>
+      </p:sp>
+    </p:spTree>
+    <p:extLst>
+      <p:ext uri="{BB962C8B-B14F-4D97-AF65-F5344CB8AC3E}">
+        <p14:creationId xmlns:p14="http://schemas.microsoft.com/office/powerpoint/2010/main" val="165773297"/>
       </p:ext>
     </p:extLst>
   </p:cSld>

--- a/newton/fig/fig.pptx
+++ b/newton/fig/fig.pptx
@@ -7,9 +7,10 @@
   <p:sldIdLst>
     <p:sldId id="256" r:id="rId2"/>
     <p:sldId id="257" r:id="rId3"/>
-    <p:sldId id="258" r:id="rId4"/>
-    <p:sldId id="259" r:id="rId5"/>
-    <p:sldId id="260" r:id="rId6"/>
+    <p:sldId id="261" r:id="rId4"/>
+    <p:sldId id="258" r:id="rId5"/>
+    <p:sldId id="259" r:id="rId6"/>
+    <p:sldId id="260" r:id="rId7"/>
   </p:sldIdLst>
   <p:sldSz cx="12192000" cy="6858000"/>
   <p:notesSz cx="6858000" cy="9144000"/>
@@ -3173,6 +3174,990 @@
       </p:grpSpPr>
       <p:sp>
         <p:nvSpPr>
+          <p:cNvPr id="2" name="三角形 1">
+            <a:extLst>
+              <a:ext uri="{FF2B5EF4-FFF2-40B4-BE49-F238E27FC236}">
+                <a16:creationId xmlns:a16="http://schemas.microsoft.com/office/drawing/2014/main" id="{9BA5F1AA-972B-044C-DDBF-DDE68A8D01BB}"/>
+              </a:ext>
+            </a:extLst>
+          </p:cNvPr>
+          <p:cNvSpPr/>
+          <p:nvPr/>
+        </p:nvSpPr>
+        <p:spPr>
+          <a:xfrm>
+            <a:off x="2063552" y="2348880"/>
+            <a:ext cx="4248472" cy="2088232"/>
+          </a:xfrm>
+          <a:prstGeom prst="triangle">
+            <a:avLst>
+              <a:gd name="adj" fmla="val 0"/>
+            </a:avLst>
+          </a:prstGeom>
+          <a:ln>
+            <a:noFill/>
+          </a:ln>
+        </p:spPr>
+        <p:style>
+          <a:lnRef idx="2">
+            <a:schemeClr val="accent1">
+              <a:shade val="15000"/>
+            </a:schemeClr>
+          </a:lnRef>
+          <a:fillRef idx="1">
+            <a:schemeClr val="accent1"/>
+          </a:fillRef>
+          <a:effectRef idx="0">
+            <a:schemeClr val="accent1"/>
+          </a:effectRef>
+          <a:fontRef idx="minor">
+            <a:schemeClr val="lt1"/>
+          </a:fontRef>
+        </p:style>
+        <p:txBody>
+          <a:bodyPr rtlCol="0" anchor="ctr"/>
+          <a:lstStyle/>
+          <a:p>
+            <a:pPr algn="ctr"/>
+            <a:endParaRPr kumimoji="1" lang="ja-JP" altLang="en-US"/>
+          </a:p>
+        </p:txBody>
+      </p:sp>
+      <p:sp>
+        <p:nvSpPr>
+          <p:cNvPr id="4" name="フリーフォーム 3">
+            <a:extLst>
+              <a:ext uri="{FF2B5EF4-FFF2-40B4-BE49-F238E27FC236}">
+                <a16:creationId xmlns:a16="http://schemas.microsoft.com/office/drawing/2014/main" id="{6D63771B-3C64-EFE3-E971-AA6907FDCC30}"/>
+              </a:ext>
+            </a:extLst>
+          </p:cNvPr>
+          <p:cNvSpPr/>
+          <p:nvPr/>
+        </p:nvSpPr>
+        <p:spPr>
+          <a:xfrm>
+            <a:off x="2063552" y="2276872"/>
+            <a:ext cx="4752528" cy="2232248"/>
+          </a:xfrm>
+          <a:custGeom>
+            <a:avLst/>
+            <a:gdLst>
+              <a:gd name="connsiteX0" fmla="*/ 0 w 2850776"/>
+              <a:gd name="connsiteY0" fmla="*/ 0 h 1828800"/>
+              <a:gd name="connsiteX1" fmla="*/ 582706 w 2850776"/>
+              <a:gd name="connsiteY1" fmla="*/ 1156447 h 1828800"/>
+              <a:gd name="connsiteX2" fmla="*/ 2850776 w 2850776"/>
+              <a:gd name="connsiteY2" fmla="*/ 1828800 h 1828800"/>
+            </a:gdLst>
+            <a:ahLst/>
+            <a:cxnLst>
+              <a:cxn ang="0">
+                <a:pos x="connsiteX0" y="connsiteY0"/>
+              </a:cxn>
+              <a:cxn ang="0">
+                <a:pos x="connsiteX1" y="connsiteY1"/>
+              </a:cxn>
+              <a:cxn ang="0">
+                <a:pos x="connsiteX2" y="connsiteY2"/>
+              </a:cxn>
+            </a:cxnLst>
+            <a:rect l="l" t="t" r="r" b="b"/>
+            <a:pathLst>
+              <a:path w="2850776" h="1828800">
+                <a:moveTo>
+                  <a:pt x="0" y="0"/>
+                </a:moveTo>
+                <a:cubicBezTo>
+                  <a:pt x="53788" y="425823"/>
+                  <a:pt x="107577" y="851647"/>
+                  <a:pt x="582706" y="1156447"/>
+                </a:cubicBezTo>
+                <a:cubicBezTo>
+                  <a:pt x="1057835" y="1461247"/>
+                  <a:pt x="1954305" y="1645023"/>
+                  <a:pt x="2850776" y="1828800"/>
+                </a:cubicBezTo>
+              </a:path>
+            </a:pathLst>
+          </a:custGeom>
+          <a:solidFill>
+            <a:schemeClr val="bg1"/>
+          </a:solidFill>
+          <a:ln>
+            <a:noFill/>
+          </a:ln>
+        </p:spPr>
+        <p:style>
+          <a:lnRef idx="2">
+            <a:schemeClr val="accent1">
+              <a:shade val="15000"/>
+            </a:schemeClr>
+          </a:lnRef>
+          <a:fillRef idx="1">
+            <a:schemeClr val="accent1"/>
+          </a:fillRef>
+          <a:effectRef idx="0">
+            <a:schemeClr val="accent1"/>
+          </a:effectRef>
+          <a:fontRef idx="minor">
+            <a:schemeClr val="lt1"/>
+          </a:fontRef>
+        </p:style>
+        <p:txBody>
+          <a:bodyPr rtlCol="0" anchor="ctr"/>
+          <a:lstStyle/>
+          <a:p>
+            <a:pPr algn="ctr"/>
+            <a:endParaRPr kumimoji="1" lang="ja-JP" altLang="en-US"/>
+          </a:p>
+        </p:txBody>
+      </p:sp>
+      <p:sp>
+        <p:nvSpPr>
+          <p:cNvPr id="5" name="円/楕円 4">
+            <a:extLst>
+              <a:ext uri="{FF2B5EF4-FFF2-40B4-BE49-F238E27FC236}">
+                <a16:creationId xmlns:a16="http://schemas.microsoft.com/office/drawing/2014/main" id="{4BCFDF67-59B0-2B25-3493-E80430CB6B55}"/>
+              </a:ext>
+            </a:extLst>
+          </p:cNvPr>
+          <p:cNvSpPr/>
+          <p:nvPr/>
+        </p:nvSpPr>
+        <p:spPr>
+          <a:xfrm>
+            <a:off x="2063552" y="2204864"/>
+            <a:ext cx="216024" cy="216024"/>
+          </a:xfrm>
+          <a:prstGeom prst="ellipse">
+            <a:avLst/>
+          </a:prstGeom>
+          <a:solidFill>
+            <a:schemeClr val="tx1"/>
+          </a:solidFill>
+        </p:spPr>
+        <p:style>
+          <a:lnRef idx="2">
+            <a:schemeClr val="accent1">
+              <a:shade val="15000"/>
+            </a:schemeClr>
+          </a:lnRef>
+          <a:fillRef idx="1">
+            <a:schemeClr val="accent1"/>
+          </a:fillRef>
+          <a:effectRef idx="0">
+            <a:schemeClr val="accent1"/>
+          </a:effectRef>
+          <a:fontRef idx="minor">
+            <a:schemeClr val="lt1"/>
+          </a:fontRef>
+        </p:style>
+        <p:txBody>
+          <a:bodyPr rtlCol="0" anchor="ctr"/>
+          <a:lstStyle/>
+          <a:p>
+            <a:pPr algn="ctr"/>
+            <a:endParaRPr kumimoji="1" lang="ja-JP" altLang="en-US"/>
+          </a:p>
+        </p:txBody>
+      </p:sp>
+      <p:cxnSp>
+        <p:nvCxnSpPr>
+          <p:cNvPr id="7" name="直線矢印コネクタ 6">
+            <a:extLst>
+              <a:ext uri="{FF2B5EF4-FFF2-40B4-BE49-F238E27FC236}">
+                <a16:creationId xmlns:a16="http://schemas.microsoft.com/office/drawing/2014/main" id="{D779C9B6-2BD2-D3A8-55DD-DA325D114D54}"/>
+              </a:ext>
+            </a:extLst>
+          </p:cNvPr>
+          <p:cNvCxnSpPr/>
+          <p:nvPr/>
+        </p:nvCxnSpPr>
+        <p:spPr>
+          <a:xfrm>
+            <a:off x="1775520" y="4437112"/>
+            <a:ext cx="5328592" cy="0"/>
+          </a:xfrm>
+          <a:prstGeom prst="straightConnector1">
+            <a:avLst/>
+          </a:prstGeom>
+          <a:ln>
+            <a:solidFill>
+              <a:schemeClr val="tx1"/>
+            </a:solidFill>
+            <a:tailEnd type="triangle"/>
+          </a:ln>
+        </p:spPr>
+        <p:style>
+          <a:lnRef idx="1">
+            <a:schemeClr val="accent1"/>
+          </a:lnRef>
+          <a:fillRef idx="0">
+            <a:schemeClr val="accent1"/>
+          </a:fillRef>
+          <a:effectRef idx="0">
+            <a:schemeClr val="accent1"/>
+          </a:effectRef>
+          <a:fontRef idx="minor">
+            <a:schemeClr val="tx1"/>
+          </a:fontRef>
+        </p:style>
+      </p:cxnSp>
+      <p:cxnSp>
+        <p:nvCxnSpPr>
+          <p:cNvPr id="8" name="直線矢印コネクタ 7">
+            <a:extLst>
+              <a:ext uri="{FF2B5EF4-FFF2-40B4-BE49-F238E27FC236}">
+                <a16:creationId xmlns:a16="http://schemas.microsoft.com/office/drawing/2014/main" id="{6EDDC8A0-293E-8F78-2B07-D2A83C06923B}"/>
+              </a:ext>
+            </a:extLst>
+          </p:cNvPr>
+          <p:cNvCxnSpPr>
+            <a:cxnSpLocks/>
+          </p:cNvCxnSpPr>
+          <p:nvPr/>
+        </p:nvCxnSpPr>
+        <p:spPr>
+          <a:xfrm flipV="1">
+            <a:off x="2063552" y="1628800"/>
+            <a:ext cx="0" cy="2960712"/>
+          </a:xfrm>
+          <a:prstGeom prst="straightConnector1">
+            <a:avLst/>
+          </a:prstGeom>
+          <a:ln>
+            <a:solidFill>
+              <a:schemeClr val="tx1"/>
+            </a:solidFill>
+            <a:tailEnd type="triangle"/>
+          </a:ln>
+        </p:spPr>
+        <p:style>
+          <a:lnRef idx="1">
+            <a:schemeClr val="accent1"/>
+          </a:lnRef>
+          <a:fillRef idx="0">
+            <a:schemeClr val="accent1"/>
+          </a:fillRef>
+          <a:effectRef idx="0">
+            <a:schemeClr val="accent1"/>
+          </a:effectRef>
+          <a:fontRef idx="minor">
+            <a:schemeClr val="tx1"/>
+          </a:fontRef>
+        </p:style>
+      </p:cxnSp>
+      <mc:AlternateContent xmlns:mc="http://schemas.openxmlformats.org/markup-compatibility/2006">
+        <mc:Choice xmlns:a14="http://schemas.microsoft.com/office/drawing/2010/main" Requires="a14">
+          <p:sp>
+            <p:nvSpPr>
+              <p:cNvPr id="10" name="テキスト ボックス 9">
+                <a:extLst>
+                  <a:ext uri="{FF2B5EF4-FFF2-40B4-BE49-F238E27FC236}">
+                    <a16:creationId xmlns:a16="http://schemas.microsoft.com/office/drawing/2014/main" id="{47E33474-41BA-DBD8-DBAA-637A3CD5362C}"/>
+                  </a:ext>
+                </a:extLst>
+              </p:cNvPr>
+              <p:cNvSpPr txBox="1"/>
+              <p:nvPr/>
+            </p:nvSpPr>
+            <p:spPr>
+              <a:xfrm>
+                <a:off x="7172820" y="4232121"/>
+                <a:ext cx="183320" cy="276999"/>
+              </a:xfrm>
+              <a:prstGeom prst="rect">
+                <a:avLst/>
+              </a:prstGeom>
+              <a:noFill/>
+            </p:spPr>
+            <p:txBody>
+              <a:bodyPr wrap="none" lIns="0" tIns="0" rIns="0" bIns="0" rtlCol="0">
+                <a:spAutoFit/>
+              </a:bodyPr>
+              <a:lstStyle/>
+              <a:p>
+                <a14:m>
+                  <m:oMathPara xmlns:m="http://schemas.openxmlformats.org/officeDocument/2006/math">
+                    <m:oMathParaPr>
+                      <m:jc m:val="centerGroup"/>
+                    </m:oMathParaPr>
+                    <m:oMath xmlns:m="http://schemas.openxmlformats.org/officeDocument/2006/math">
+                      <m:r>
+                        <a:rPr kumimoji="1" lang="en-US" altLang="ja-JP" b="0" i="1" smtClean="0">
+                          <a:latin typeface="Cambria Math" panose="02040503050406030204" pitchFamily="18" charset="0"/>
+                        </a:rPr>
+                        <m:t>𝑥</m:t>
+                      </m:r>
+                    </m:oMath>
+                  </m:oMathPara>
+                </a14:m>
+                <a:endParaRPr kumimoji="1" lang="ja-JP" altLang="en-US"/>
+              </a:p>
+            </p:txBody>
+          </p:sp>
+        </mc:Choice>
+        <mc:Fallback>
+          <p:sp>
+            <p:nvSpPr>
+              <p:cNvPr id="10" name="テキスト ボックス 9">
+                <a:extLst>
+                  <a:ext uri="{FF2B5EF4-FFF2-40B4-BE49-F238E27FC236}">
+                    <a16:creationId xmlns:a16="http://schemas.microsoft.com/office/drawing/2014/main" id="{47E33474-41BA-DBD8-DBAA-637A3CD5362C}"/>
+                  </a:ext>
+                </a:extLst>
+              </p:cNvPr>
+              <p:cNvSpPr txBox="1">
+                <a:spLocks noRot="1" noChangeAspect="1" noMove="1" noResize="1" noEditPoints="1" noAdjustHandles="1" noChangeArrowheads="1" noChangeShapeType="1" noTextEdit="1"/>
+              </p:cNvSpPr>
+              <p:nvPr/>
+            </p:nvSpPr>
+            <p:spPr>
+              <a:xfrm>
+                <a:off x="7172820" y="4232121"/>
+                <a:ext cx="183320" cy="276999"/>
+              </a:xfrm>
+              <a:prstGeom prst="rect">
+                <a:avLst/>
+              </a:prstGeom>
+              <a:blipFill>
+                <a:blip r:embed="rId2"/>
+                <a:stretch>
+                  <a:fillRect l="-12500" r="-12500"/>
+                </a:stretch>
+              </a:blipFill>
+            </p:spPr>
+            <p:txBody>
+              <a:bodyPr/>
+              <a:lstStyle/>
+              <a:p>
+                <a:r>
+                  <a:rPr lang="ja-JP" altLang="en-US">
+                    <a:noFill/>
+                  </a:rPr>
+                  <a:t> </a:t>
+                </a:r>
+              </a:p>
+            </p:txBody>
+          </p:sp>
+        </mc:Fallback>
+      </mc:AlternateContent>
+      <mc:AlternateContent xmlns:mc="http://schemas.openxmlformats.org/markup-compatibility/2006">
+        <mc:Choice xmlns:a14="http://schemas.microsoft.com/office/drawing/2010/main" Requires="a14">
+          <p:sp>
+            <p:nvSpPr>
+              <p:cNvPr id="11" name="テキスト ボックス 10">
+                <a:extLst>
+                  <a:ext uri="{FF2B5EF4-FFF2-40B4-BE49-F238E27FC236}">
+                    <a16:creationId xmlns:a16="http://schemas.microsoft.com/office/drawing/2014/main" id="{756E5041-95EF-F3A5-1E32-8667D3C9EFA8}"/>
+                  </a:ext>
+                </a:extLst>
+              </p:cNvPr>
+              <p:cNvSpPr txBox="1"/>
+              <p:nvPr/>
+            </p:nvSpPr>
+            <p:spPr>
+              <a:xfrm>
+                <a:off x="1954602" y="1202269"/>
+                <a:ext cx="186718" cy="276999"/>
+              </a:xfrm>
+              <a:prstGeom prst="rect">
+                <a:avLst/>
+              </a:prstGeom>
+              <a:noFill/>
+            </p:spPr>
+            <p:txBody>
+              <a:bodyPr wrap="none" lIns="0" tIns="0" rIns="0" bIns="0" rtlCol="0">
+                <a:spAutoFit/>
+              </a:bodyPr>
+              <a:lstStyle/>
+              <a:p>
+                <a14:m>
+                  <m:oMathPara xmlns:m="http://schemas.openxmlformats.org/officeDocument/2006/math">
+                    <m:oMathParaPr>
+                      <m:jc m:val="centerGroup"/>
+                    </m:oMathParaPr>
+                    <m:oMath xmlns:m="http://schemas.openxmlformats.org/officeDocument/2006/math">
+                      <m:r>
+                        <a:rPr kumimoji="1" lang="en-US" altLang="ja-JP" b="0" i="1" smtClean="0">
+                          <a:latin typeface="Cambria Math" panose="02040503050406030204" pitchFamily="18" charset="0"/>
+                        </a:rPr>
+                        <m:t>𝑦</m:t>
+                      </m:r>
+                    </m:oMath>
+                  </m:oMathPara>
+                </a14:m>
+                <a:endParaRPr kumimoji="1" lang="ja-JP" altLang="en-US"/>
+              </a:p>
+            </p:txBody>
+          </p:sp>
+        </mc:Choice>
+        <mc:Fallback>
+          <p:sp>
+            <p:nvSpPr>
+              <p:cNvPr id="11" name="テキスト ボックス 10">
+                <a:extLst>
+                  <a:ext uri="{FF2B5EF4-FFF2-40B4-BE49-F238E27FC236}">
+                    <a16:creationId xmlns:a16="http://schemas.microsoft.com/office/drawing/2014/main" id="{756E5041-95EF-F3A5-1E32-8667D3C9EFA8}"/>
+                  </a:ext>
+                </a:extLst>
+              </p:cNvPr>
+              <p:cNvSpPr txBox="1">
+                <a:spLocks noRot="1" noChangeAspect="1" noMove="1" noResize="1" noEditPoints="1" noAdjustHandles="1" noChangeArrowheads="1" noChangeShapeType="1" noTextEdit="1"/>
+              </p:cNvSpPr>
+              <p:nvPr/>
+            </p:nvSpPr>
+            <p:spPr>
+              <a:xfrm>
+                <a:off x="1954602" y="1202269"/>
+                <a:ext cx="186718" cy="276999"/>
+              </a:xfrm>
+              <a:prstGeom prst="rect">
+                <a:avLst/>
+              </a:prstGeom>
+              <a:blipFill>
+                <a:blip r:embed="rId3"/>
+                <a:stretch>
+                  <a:fillRect l="-33333" r="-26667" b="-26087"/>
+                </a:stretch>
+              </a:blipFill>
+            </p:spPr>
+            <p:txBody>
+              <a:bodyPr/>
+              <a:lstStyle/>
+              <a:p>
+                <a:r>
+                  <a:rPr lang="ja-JP" altLang="en-US">
+                    <a:noFill/>
+                  </a:rPr>
+                  <a:t> </a:t>
+                </a:r>
+              </a:p>
+            </p:txBody>
+          </p:sp>
+        </mc:Fallback>
+      </mc:AlternateContent>
+      <p:cxnSp>
+        <p:nvCxnSpPr>
+          <p:cNvPr id="13" name="直線矢印コネクタ 12">
+            <a:extLst>
+              <a:ext uri="{FF2B5EF4-FFF2-40B4-BE49-F238E27FC236}">
+                <a16:creationId xmlns:a16="http://schemas.microsoft.com/office/drawing/2014/main" id="{6E891BD0-FC2D-17DE-673F-60A99BF64097}"/>
+              </a:ext>
+            </a:extLst>
+          </p:cNvPr>
+          <p:cNvCxnSpPr/>
+          <p:nvPr/>
+        </p:nvCxnSpPr>
+        <p:spPr>
+          <a:xfrm>
+            <a:off x="1937471" y="2312876"/>
+            <a:ext cx="0" cy="2124236"/>
+          </a:xfrm>
+          <a:prstGeom prst="straightConnector1">
+            <a:avLst/>
+          </a:prstGeom>
+          <a:ln>
+            <a:solidFill>
+              <a:schemeClr val="tx1"/>
+            </a:solidFill>
+            <a:headEnd type="triangle"/>
+            <a:tailEnd type="triangle"/>
+          </a:ln>
+        </p:spPr>
+        <p:style>
+          <a:lnRef idx="1">
+            <a:schemeClr val="accent1"/>
+          </a:lnRef>
+          <a:fillRef idx="0">
+            <a:schemeClr val="accent1"/>
+          </a:fillRef>
+          <a:effectRef idx="0">
+            <a:schemeClr val="accent1"/>
+          </a:effectRef>
+          <a:fontRef idx="minor">
+            <a:schemeClr val="tx1"/>
+          </a:fontRef>
+        </p:style>
+      </p:cxnSp>
+      <mc:AlternateContent xmlns:mc="http://schemas.openxmlformats.org/markup-compatibility/2006">
+        <mc:Choice xmlns:a14="http://schemas.microsoft.com/office/drawing/2010/main" Requires="a14">
+          <p:sp>
+            <p:nvSpPr>
+              <p:cNvPr id="14" name="テキスト ボックス 13">
+                <a:extLst>
+                  <a:ext uri="{FF2B5EF4-FFF2-40B4-BE49-F238E27FC236}">
+                    <a16:creationId xmlns:a16="http://schemas.microsoft.com/office/drawing/2014/main" id="{9EBCE2FD-E52F-8D1C-AF7C-FE4CE6499402}"/>
+                  </a:ext>
+                </a:extLst>
+              </p:cNvPr>
+              <p:cNvSpPr txBox="1"/>
+              <p:nvPr/>
+            </p:nvSpPr>
+            <p:spPr>
+              <a:xfrm>
+                <a:off x="1624078" y="3079993"/>
+                <a:ext cx="185115" cy="276999"/>
+              </a:xfrm>
+              <a:prstGeom prst="rect">
+                <a:avLst/>
+              </a:prstGeom>
+              <a:noFill/>
+            </p:spPr>
+            <p:txBody>
+              <a:bodyPr wrap="none" lIns="0" tIns="0" rIns="0" bIns="0" rtlCol="0">
+                <a:spAutoFit/>
+              </a:bodyPr>
+              <a:lstStyle/>
+              <a:p>
+                <a14:m>
+                  <m:oMathPara xmlns:m="http://schemas.openxmlformats.org/officeDocument/2006/math">
+                    <m:oMathParaPr>
+                      <m:jc m:val="centerGroup"/>
+                    </m:oMathParaPr>
+                    <m:oMath xmlns:m="http://schemas.openxmlformats.org/officeDocument/2006/math">
+                      <m:r>
+                        <a:rPr kumimoji="1" lang="en-US" altLang="ja-JP" b="0" i="1" smtClean="0">
+                          <a:latin typeface="Cambria Math" panose="02040503050406030204" pitchFamily="18" charset="0"/>
+                        </a:rPr>
+                        <m:t>h</m:t>
+                      </m:r>
+                    </m:oMath>
+                  </m:oMathPara>
+                </a14:m>
+                <a:endParaRPr kumimoji="1" lang="ja-JP" altLang="en-US"/>
+              </a:p>
+            </p:txBody>
+          </p:sp>
+        </mc:Choice>
+        <mc:Fallback>
+          <p:sp>
+            <p:nvSpPr>
+              <p:cNvPr id="14" name="テキスト ボックス 13">
+                <a:extLst>
+                  <a:ext uri="{FF2B5EF4-FFF2-40B4-BE49-F238E27FC236}">
+                    <a16:creationId xmlns:a16="http://schemas.microsoft.com/office/drawing/2014/main" id="{9EBCE2FD-E52F-8D1C-AF7C-FE4CE6499402}"/>
+                  </a:ext>
+                </a:extLst>
+              </p:cNvPr>
+              <p:cNvSpPr txBox="1">
+                <a:spLocks noRot="1" noChangeAspect="1" noMove="1" noResize="1" noEditPoints="1" noAdjustHandles="1" noChangeArrowheads="1" noChangeShapeType="1" noTextEdit="1"/>
+              </p:cNvSpPr>
+              <p:nvPr/>
+            </p:nvSpPr>
+            <p:spPr>
+              <a:xfrm>
+                <a:off x="1624078" y="3079993"/>
+                <a:ext cx="185115" cy="276999"/>
+              </a:xfrm>
+              <a:prstGeom prst="rect">
+                <a:avLst/>
+              </a:prstGeom>
+              <a:blipFill>
+                <a:blip r:embed="rId4"/>
+                <a:stretch>
+                  <a:fillRect l="-25000" r="-25000" b="-8696"/>
+                </a:stretch>
+              </a:blipFill>
+            </p:spPr>
+            <p:txBody>
+              <a:bodyPr/>
+              <a:lstStyle/>
+              <a:p>
+                <a:r>
+                  <a:rPr lang="ja-JP" altLang="en-US">
+                    <a:noFill/>
+                  </a:rPr>
+                  <a:t> </a:t>
+                </a:r>
+              </a:p>
+            </p:txBody>
+          </p:sp>
+        </mc:Fallback>
+      </mc:AlternateContent>
+      <p:sp>
+        <p:nvSpPr>
+          <p:cNvPr id="15" name="円/楕円 14">
+            <a:extLst>
+              <a:ext uri="{FF2B5EF4-FFF2-40B4-BE49-F238E27FC236}">
+                <a16:creationId xmlns:a16="http://schemas.microsoft.com/office/drawing/2014/main" id="{3303C299-8C34-34B3-970B-FBC8A5DDA2F2}"/>
+              </a:ext>
+            </a:extLst>
+          </p:cNvPr>
+          <p:cNvSpPr/>
+          <p:nvPr/>
+        </p:nvSpPr>
+        <p:spPr>
+          <a:xfrm>
+            <a:off x="6222080" y="4221088"/>
+            <a:ext cx="216024" cy="216024"/>
+          </a:xfrm>
+          <a:prstGeom prst="ellipse">
+            <a:avLst/>
+          </a:prstGeom>
+          <a:solidFill>
+            <a:schemeClr val="tx1"/>
+          </a:solidFill>
+        </p:spPr>
+        <p:style>
+          <a:lnRef idx="2">
+            <a:schemeClr val="accent1">
+              <a:shade val="15000"/>
+            </a:schemeClr>
+          </a:lnRef>
+          <a:fillRef idx="1">
+            <a:schemeClr val="accent1"/>
+          </a:fillRef>
+          <a:effectRef idx="0">
+            <a:schemeClr val="accent1"/>
+          </a:effectRef>
+          <a:fontRef idx="minor">
+            <a:schemeClr val="lt1"/>
+          </a:fontRef>
+        </p:style>
+        <p:txBody>
+          <a:bodyPr rtlCol="0" anchor="ctr"/>
+          <a:lstStyle/>
+          <a:p>
+            <a:pPr algn="ctr"/>
+            <a:endParaRPr kumimoji="1" lang="ja-JP" altLang="en-US"/>
+          </a:p>
+        </p:txBody>
+      </p:sp>
+      <mc:AlternateContent xmlns:mc="http://schemas.openxmlformats.org/markup-compatibility/2006">
+        <mc:Choice xmlns:a14="http://schemas.microsoft.com/office/drawing/2010/main" Requires="a14">
+          <p:sp>
+            <p:nvSpPr>
+              <p:cNvPr id="16" name="テキスト ボックス 15">
+                <a:extLst>
+                  <a:ext uri="{FF2B5EF4-FFF2-40B4-BE49-F238E27FC236}">
+                    <a16:creationId xmlns:a16="http://schemas.microsoft.com/office/drawing/2014/main" id="{C73F1A03-B302-3645-8827-473EB3A2F296}"/>
+                  </a:ext>
+                </a:extLst>
+              </p:cNvPr>
+              <p:cNvSpPr txBox="1"/>
+              <p:nvPr/>
+            </p:nvSpPr>
+            <p:spPr>
+              <a:xfrm>
+                <a:off x="4308048" y="2773654"/>
+                <a:ext cx="1431995" cy="518604"/>
+              </a:xfrm>
+              <a:prstGeom prst="rect">
+                <a:avLst/>
+              </a:prstGeom>
+              <a:noFill/>
+            </p:spPr>
+            <p:txBody>
+              <a:bodyPr wrap="none" lIns="0" tIns="0" rIns="0" bIns="0" rtlCol="0">
+                <a:spAutoFit/>
+              </a:bodyPr>
+              <a:lstStyle/>
+              <a:p>
+                <a14:m>
+                  <m:oMathPara xmlns:m="http://schemas.openxmlformats.org/officeDocument/2006/math">
+                    <m:oMathParaPr>
+                      <m:jc m:val="centerGroup"/>
+                    </m:oMathParaPr>
+                    <m:oMath xmlns:m="http://schemas.openxmlformats.org/officeDocument/2006/math">
+                      <m:r>
+                        <a:rPr kumimoji="1" lang="en-US" altLang="ja-JP" b="0" i="1" smtClean="0">
+                          <a:latin typeface="Cambria Math" panose="02040503050406030204" pitchFamily="18" charset="0"/>
+                        </a:rPr>
+                        <m:t>𝑚𝑔h</m:t>
+                      </m:r>
+                      <m:r>
+                        <a:rPr kumimoji="1" lang="en-US" altLang="ja-JP" b="0" i="1" smtClean="0">
+                          <a:latin typeface="Cambria Math" panose="02040503050406030204" pitchFamily="18" charset="0"/>
+                        </a:rPr>
+                        <m:t>=</m:t>
+                      </m:r>
+                      <m:f>
+                        <m:fPr>
+                          <m:ctrlPr>
+                            <a:rPr kumimoji="1" lang="en-US" altLang="ja-JP" b="0" i="1" smtClean="0">
+                              <a:latin typeface="Cambria Math" panose="02040503050406030204" pitchFamily="18" charset="0"/>
+                            </a:rPr>
+                          </m:ctrlPr>
+                        </m:fPr>
+                        <m:num>
+                          <m:r>
+                            <a:rPr kumimoji="1" lang="en-US" altLang="ja-JP" b="0" i="1" smtClean="0">
+                              <a:latin typeface="Cambria Math" panose="02040503050406030204" pitchFamily="18" charset="0"/>
+                            </a:rPr>
+                            <m:t>1</m:t>
+                          </m:r>
+                        </m:num>
+                        <m:den>
+                          <m:r>
+                            <a:rPr kumimoji="1" lang="en-US" altLang="ja-JP" b="0" i="1" smtClean="0">
+                              <a:latin typeface="Cambria Math" panose="02040503050406030204" pitchFamily="18" charset="0"/>
+                            </a:rPr>
+                            <m:t>2</m:t>
+                          </m:r>
+                        </m:den>
+                      </m:f>
+                      <m:r>
+                        <a:rPr kumimoji="1" lang="en-US" altLang="ja-JP" b="0" i="1" smtClean="0">
+                          <a:latin typeface="Cambria Math" panose="02040503050406030204" pitchFamily="18" charset="0"/>
+                        </a:rPr>
+                        <m:t>𝑚</m:t>
+                      </m:r>
+                      <m:sSup>
+                        <m:sSupPr>
+                          <m:ctrlPr>
+                            <a:rPr kumimoji="1" lang="en-US" altLang="ja-JP" b="0" i="1" smtClean="0">
+                              <a:latin typeface="Cambria Math" panose="02040503050406030204" pitchFamily="18" charset="0"/>
+                            </a:rPr>
+                          </m:ctrlPr>
+                        </m:sSupPr>
+                        <m:e>
+                          <m:r>
+                            <a:rPr kumimoji="1" lang="en-US" altLang="ja-JP" b="0" i="1" smtClean="0">
+                              <a:latin typeface="Cambria Math" panose="02040503050406030204" pitchFamily="18" charset="0"/>
+                            </a:rPr>
+                            <m:t>𝑣</m:t>
+                          </m:r>
+                        </m:e>
+                        <m:sup>
+                          <m:r>
+                            <a:rPr kumimoji="1" lang="en-US" altLang="ja-JP" b="0" i="1" smtClean="0">
+                              <a:latin typeface="Cambria Math" panose="02040503050406030204" pitchFamily="18" charset="0"/>
+                            </a:rPr>
+                            <m:t>2</m:t>
+                          </m:r>
+                        </m:sup>
+                      </m:sSup>
+                    </m:oMath>
+                  </m:oMathPara>
+                </a14:m>
+                <a:endParaRPr kumimoji="1" lang="ja-JP" altLang="en-US"/>
+              </a:p>
+            </p:txBody>
+          </p:sp>
+        </mc:Choice>
+        <mc:Fallback>
+          <p:sp>
+            <p:nvSpPr>
+              <p:cNvPr id="16" name="テキスト ボックス 15">
+                <a:extLst>
+                  <a:ext uri="{FF2B5EF4-FFF2-40B4-BE49-F238E27FC236}">
+                    <a16:creationId xmlns:a16="http://schemas.microsoft.com/office/drawing/2014/main" id="{C73F1A03-B302-3645-8827-473EB3A2F296}"/>
+                  </a:ext>
+                </a:extLst>
+              </p:cNvPr>
+              <p:cNvSpPr txBox="1">
+                <a:spLocks noRot="1" noChangeAspect="1" noMove="1" noResize="1" noEditPoints="1" noAdjustHandles="1" noChangeArrowheads="1" noChangeShapeType="1" noTextEdit="1"/>
+              </p:cNvSpPr>
+              <p:nvPr/>
+            </p:nvSpPr>
+            <p:spPr>
+              <a:xfrm>
+                <a:off x="4308048" y="2773654"/>
+                <a:ext cx="1431995" cy="518604"/>
+              </a:xfrm>
+              <a:prstGeom prst="rect">
+                <a:avLst/>
+              </a:prstGeom>
+              <a:blipFill>
+                <a:blip r:embed="rId5"/>
+                <a:stretch>
+                  <a:fillRect l="-5263" t="-4762" r="-877" b="-11905"/>
+                </a:stretch>
+              </a:blipFill>
+            </p:spPr>
+            <p:txBody>
+              <a:bodyPr/>
+              <a:lstStyle/>
+              <a:p>
+                <a:r>
+                  <a:rPr lang="ja-JP" altLang="en-US">
+                    <a:noFill/>
+                  </a:rPr>
+                  <a:t> </a:t>
+                </a:r>
+              </a:p>
+            </p:txBody>
+          </p:sp>
+        </mc:Fallback>
+      </mc:AlternateContent>
+      <p:sp>
+        <p:nvSpPr>
+          <p:cNvPr id="17" name="右矢印 16">
+            <a:extLst>
+              <a:ext uri="{FF2B5EF4-FFF2-40B4-BE49-F238E27FC236}">
+                <a16:creationId xmlns:a16="http://schemas.microsoft.com/office/drawing/2014/main" id="{7D977FCF-01AC-7395-C28E-0E3B55BE96CF}"/>
+              </a:ext>
+            </a:extLst>
+          </p:cNvPr>
+          <p:cNvSpPr/>
+          <p:nvPr/>
+        </p:nvSpPr>
+        <p:spPr>
+          <a:xfrm>
+            <a:off x="6500085" y="4190600"/>
+            <a:ext cx="232777" cy="277000"/>
+          </a:xfrm>
+          <a:prstGeom prst="rightArrow">
+            <a:avLst/>
+          </a:prstGeom>
+          <a:solidFill>
+            <a:srgbClr val="FF0000"/>
+          </a:solidFill>
+        </p:spPr>
+        <p:style>
+          <a:lnRef idx="2">
+            <a:schemeClr val="accent1">
+              <a:shade val="15000"/>
+            </a:schemeClr>
+          </a:lnRef>
+          <a:fillRef idx="1">
+            <a:schemeClr val="accent1"/>
+          </a:fillRef>
+          <a:effectRef idx="0">
+            <a:schemeClr val="accent1"/>
+          </a:effectRef>
+          <a:fontRef idx="minor">
+            <a:schemeClr val="lt1"/>
+          </a:fontRef>
+        </p:style>
+        <p:txBody>
+          <a:bodyPr rtlCol="0" anchor="ctr"/>
+          <a:lstStyle/>
+          <a:p>
+            <a:pPr algn="ctr"/>
+            <a:endParaRPr kumimoji="1" lang="ja-JP" altLang="en-US"/>
+          </a:p>
+        </p:txBody>
+      </p:sp>
+      <mc:AlternateContent xmlns:mc="http://schemas.openxmlformats.org/markup-compatibility/2006">
+        <mc:Choice xmlns:a14="http://schemas.microsoft.com/office/drawing/2010/main" Requires="a14">
+          <p:sp>
+            <p:nvSpPr>
+              <p:cNvPr id="18" name="テキスト ボックス 17">
+                <a:extLst>
+                  <a:ext uri="{FF2B5EF4-FFF2-40B4-BE49-F238E27FC236}">
+                    <a16:creationId xmlns:a16="http://schemas.microsoft.com/office/drawing/2014/main" id="{C3DA398A-22F9-9FAB-1D0A-FD1C78E8AE66}"/>
+                  </a:ext>
+                </a:extLst>
+              </p:cNvPr>
+              <p:cNvSpPr txBox="1"/>
+              <p:nvPr/>
+            </p:nvSpPr>
+            <p:spPr>
+              <a:xfrm>
+                <a:off x="6508396" y="3897794"/>
+                <a:ext cx="184666" cy="276999"/>
+              </a:xfrm>
+              <a:prstGeom prst="rect">
+                <a:avLst/>
+              </a:prstGeom>
+              <a:noFill/>
+            </p:spPr>
+            <p:txBody>
+              <a:bodyPr wrap="none" lIns="0" tIns="0" rIns="0" bIns="0" rtlCol="0">
+                <a:spAutoFit/>
+              </a:bodyPr>
+              <a:lstStyle/>
+              <a:p>
+                <a14:m>
+                  <m:oMathPara xmlns:m="http://schemas.openxmlformats.org/officeDocument/2006/math">
+                    <m:oMathParaPr>
+                      <m:jc m:val="centerGroup"/>
+                    </m:oMathParaPr>
+                    <m:oMath xmlns:m="http://schemas.openxmlformats.org/officeDocument/2006/math">
+                      <m:r>
+                        <a:rPr kumimoji="1" lang="en-US" altLang="ja-JP" b="0" i="1" smtClean="0">
+                          <a:latin typeface="Cambria Math" panose="02040503050406030204" pitchFamily="18" charset="0"/>
+                        </a:rPr>
+                        <m:t>𝑣</m:t>
+                      </m:r>
+                    </m:oMath>
+                  </m:oMathPara>
+                </a14:m>
+                <a:endParaRPr kumimoji="1" lang="ja-JP" altLang="en-US"/>
+              </a:p>
+            </p:txBody>
+          </p:sp>
+        </mc:Choice>
+        <mc:Fallback>
+          <p:sp>
+            <p:nvSpPr>
+              <p:cNvPr id="18" name="テキスト ボックス 17">
+                <a:extLst>
+                  <a:ext uri="{FF2B5EF4-FFF2-40B4-BE49-F238E27FC236}">
+                    <a16:creationId xmlns:a16="http://schemas.microsoft.com/office/drawing/2014/main" id="{C3DA398A-22F9-9FAB-1D0A-FD1C78E8AE66}"/>
+                  </a:ext>
+                </a:extLst>
+              </p:cNvPr>
+              <p:cNvSpPr txBox="1">
+                <a:spLocks noRot="1" noChangeAspect="1" noMove="1" noResize="1" noEditPoints="1" noAdjustHandles="1" noChangeArrowheads="1" noChangeShapeType="1" noTextEdit="1"/>
+              </p:cNvSpPr>
+              <p:nvPr/>
+            </p:nvSpPr>
+            <p:spPr>
+              <a:xfrm>
+                <a:off x="6508396" y="3897794"/>
+                <a:ext cx="184666" cy="276999"/>
+              </a:xfrm>
+              <a:prstGeom prst="rect">
+                <a:avLst/>
+              </a:prstGeom>
+              <a:blipFill>
+                <a:blip r:embed="rId6"/>
+                <a:stretch>
+                  <a:fillRect l="-18750" r="-6250"/>
+                </a:stretch>
+              </a:blipFill>
+            </p:spPr>
+            <p:txBody>
+              <a:bodyPr/>
+              <a:lstStyle/>
+              <a:p>
+                <a:r>
+                  <a:rPr lang="ja-JP" altLang="en-US">
+                    <a:noFill/>
+                  </a:rPr>
+                  <a:t> </a:t>
+                </a:r>
+              </a:p>
+            </p:txBody>
+          </p:sp>
+        </mc:Fallback>
+      </mc:AlternateContent>
+    </p:spTree>
+    <p:extLst>
+      <p:ext uri="{BB962C8B-B14F-4D97-AF65-F5344CB8AC3E}">
+        <p14:creationId xmlns:p14="http://schemas.microsoft.com/office/powerpoint/2010/main" val="1063630572"/>
+      </p:ext>
+    </p:extLst>
+  </p:cSld>
+  <p:clrMapOvr>
+    <a:masterClrMapping/>
+  </p:clrMapOvr>
+</p:sld>
+</file>
+
+<file path=ppt/slides/slide4.xml><?xml version="1.0" encoding="utf-8"?>
+<p:sld xmlns:a="http://schemas.openxmlformats.org/drawingml/2006/main" xmlns:r="http://schemas.openxmlformats.org/officeDocument/2006/relationships" xmlns:p="http://schemas.openxmlformats.org/presentationml/2006/main">
+  <p:cSld>
+    <p:spTree>
+      <p:nvGrpSpPr>
+        <p:cNvPr id="1" name=""/>
+        <p:cNvGrpSpPr/>
+        <p:nvPr/>
+      </p:nvGrpSpPr>
+      <p:grpSpPr>
+        <a:xfrm>
+          <a:off x="0" y="0"/>
+          <a:ext cx="0" cy="0"/>
+          <a:chOff x="0" y="0"/>
+          <a:chExt cx="0" cy="0"/>
+        </a:xfrm>
+      </p:grpSpPr>
+      <p:sp>
+        <p:nvSpPr>
           <p:cNvPr id="25" name="円/楕円 24">
             <a:extLst>
               <a:ext uri="{FF2B5EF4-FFF2-40B4-BE49-F238E27FC236}">
@@ -4799,7 +5784,7 @@
 </p:sld>
 </file>
 
-<file path=ppt/slides/slide4.xml><?xml version="1.0" encoding="utf-8"?>
+<file path=ppt/slides/slide5.xml><?xml version="1.0" encoding="utf-8"?>
 <p:sld xmlns:a="http://schemas.openxmlformats.org/drawingml/2006/main" xmlns:r="http://schemas.openxmlformats.org/officeDocument/2006/relationships" xmlns:p="http://schemas.openxmlformats.org/presentationml/2006/main">
   <p:cSld>
     <p:spTree>
@@ -6025,7 +7010,7 @@
 </p:sld>
 </file>
 
-<file path=ppt/slides/slide5.xml><?xml version="1.0" encoding="utf-8"?>
+<file path=ppt/slides/slide6.xml><?xml version="1.0" encoding="utf-8"?>
 <p:sld xmlns:a="http://schemas.openxmlformats.org/drawingml/2006/main" xmlns:r="http://schemas.openxmlformats.org/officeDocument/2006/relationships" xmlns:p="http://schemas.openxmlformats.org/presentationml/2006/main">
   <p:cSld>
     <p:spTree>

--- a/newton/fig/fig.pptx
+++ b/newton/fig/fig.pptx
@@ -10,7 +10,8 @@
     <p:sldId id="261" r:id="rId4"/>
     <p:sldId id="258" r:id="rId5"/>
     <p:sldId id="259" r:id="rId6"/>
-    <p:sldId id="260" r:id="rId7"/>
+    <p:sldId id="262" r:id="rId7"/>
+    <p:sldId id="260" r:id="rId8"/>
   </p:sldIdLst>
   <p:sldSz cx="12192000" cy="6858000"/>
   <p:notesSz cx="6858000" cy="9144000"/>
@@ -3448,8 +3449,8 @@
           </a:fontRef>
         </p:style>
       </p:cxnSp>
-      <mc:AlternateContent xmlns:mc="http://schemas.openxmlformats.org/markup-compatibility/2006">
-        <mc:Choice xmlns:a14="http://schemas.microsoft.com/office/drawing/2010/main" Requires="a14">
+      <mc:AlternateContent xmlns:mc="http://schemas.openxmlformats.org/markup-compatibility/2006" xmlns:a14="http://schemas.microsoft.com/office/drawing/2010/main">
+        <mc:Choice Requires="a14">
           <p:sp>
             <p:nvSpPr>
               <p:cNvPr id="10" name="テキスト ボックス 9">
@@ -3478,6 +3479,7 @@
               </a:bodyPr>
               <a:lstStyle/>
               <a:p>
+                <a:pPr/>
                 <a14:m>
                   <m:oMathPara xmlns:m="http://schemas.openxmlformats.org/officeDocument/2006/math">
                     <m:oMathParaPr>
@@ -3498,7 +3500,7 @@
             </p:txBody>
           </p:sp>
         </mc:Choice>
-        <mc:Fallback>
+        <mc:Fallback xmlns="">
           <p:sp>
             <p:nvSpPr>
               <p:cNvPr id="10" name="テキスト ボックス 9">
@@ -3543,8 +3545,8 @@
           </p:sp>
         </mc:Fallback>
       </mc:AlternateContent>
-      <mc:AlternateContent xmlns:mc="http://schemas.openxmlformats.org/markup-compatibility/2006">
-        <mc:Choice xmlns:a14="http://schemas.microsoft.com/office/drawing/2010/main" Requires="a14">
+      <mc:AlternateContent xmlns:mc="http://schemas.openxmlformats.org/markup-compatibility/2006" xmlns:a14="http://schemas.microsoft.com/office/drawing/2010/main">
+        <mc:Choice Requires="a14">
           <p:sp>
             <p:nvSpPr>
               <p:cNvPr id="11" name="テキスト ボックス 10">
@@ -3573,6 +3575,7 @@
               </a:bodyPr>
               <a:lstStyle/>
               <a:p>
+                <a:pPr/>
                 <a14:m>
                   <m:oMathPara xmlns:m="http://schemas.openxmlformats.org/officeDocument/2006/math">
                     <m:oMathParaPr>
@@ -3593,7 +3596,7 @@
             </p:txBody>
           </p:sp>
         </mc:Choice>
-        <mc:Fallback>
+        <mc:Fallback xmlns="">
           <p:sp>
             <p:nvSpPr>
               <p:cNvPr id="11" name="テキスト ボックス 10">
@@ -3681,8 +3684,8 @@
           </a:fontRef>
         </p:style>
       </p:cxnSp>
-      <mc:AlternateContent xmlns:mc="http://schemas.openxmlformats.org/markup-compatibility/2006">
-        <mc:Choice xmlns:a14="http://schemas.microsoft.com/office/drawing/2010/main" Requires="a14">
+      <mc:AlternateContent xmlns:mc="http://schemas.openxmlformats.org/markup-compatibility/2006" xmlns:a14="http://schemas.microsoft.com/office/drawing/2010/main">
+        <mc:Choice Requires="a14">
           <p:sp>
             <p:nvSpPr>
               <p:cNvPr id="14" name="テキスト ボックス 13">
@@ -3711,6 +3714,7 @@
               </a:bodyPr>
               <a:lstStyle/>
               <a:p>
+                <a:pPr/>
                 <a14:m>
                   <m:oMathPara xmlns:m="http://schemas.openxmlformats.org/officeDocument/2006/math">
                     <m:oMathParaPr>
@@ -3731,7 +3735,7 @@
             </p:txBody>
           </p:sp>
         </mc:Choice>
-        <mc:Fallback>
+        <mc:Fallback xmlns="">
           <p:sp>
             <p:nvSpPr>
               <p:cNvPr id="14" name="テキスト ボックス 13">
@@ -3825,8 +3829,8 @@
           </a:p>
         </p:txBody>
       </p:sp>
-      <mc:AlternateContent xmlns:mc="http://schemas.openxmlformats.org/markup-compatibility/2006">
-        <mc:Choice xmlns:a14="http://schemas.microsoft.com/office/drawing/2010/main" Requires="a14">
+      <mc:AlternateContent xmlns:mc="http://schemas.openxmlformats.org/markup-compatibility/2006" xmlns:a14="http://schemas.microsoft.com/office/drawing/2010/main">
+        <mc:Choice Requires="a14">
           <p:sp>
             <p:nvSpPr>
               <p:cNvPr id="16" name="テキスト ボックス 15">
@@ -3855,6 +3859,7 @@
               </a:bodyPr>
               <a:lstStyle/>
               <a:p>
+                <a:pPr/>
                 <a14:m>
                   <m:oMathPara xmlns:m="http://schemas.openxmlformats.org/officeDocument/2006/math">
                     <m:oMathParaPr>
@@ -3937,7 +3942,7 @@
             </p:txBody>
           </p:sp>
         </mc:Choice>
-        <mc:Fallback>
+        <mc:Fallback xmlns="">
           <p:sp>
             <p:nvSpPr>
               <p:cNvPr id="16" name="テキスト ボックス 15">
@@ -4031,8 +4036,8 @@
           </a:p>
         </p:txBody>
       </p:sp>
-      <mc:AlternateContent xmlns:mc="http://schemas.openxmlformats.org/markup-compatibility/2006">
-        <mc:Choice xmlns:a14="http://schemas.microsoft.com/office/drawing/2010/main" Requires="a14">
+      <mc:AlternateContent xmlns:mc="http://schemas.openxmlformats.org/markup-compatibility/2006" xmlns:a14="http://schemas.microsoft.com/office/drawing/2010/main">
+        <mc:Choice Requires="a14">
           <p:sp>
             <p:nvSpPr>
               <p:cNvPr id="18" name="テキスト ボックス 17">
@@ -4061,6 +4066,7 @@
               </a:bodyPr>
               <a:lstStyle/>
               <a:p>
+                <a:pPr/>
                 <a14:m>
                   <m:oMathPara xmlns:m="http://schemas.openxmlformats.org/officeDocument/2006/math">
                     <m:oMathParaPr>
@@ -4081,7 +4087,7 @@
             </p:txBody>
           </p:sp>
         </mc:Choice>
-        <mc:Fallback>
+        <mc:Fallback xmlns="">
           <p:sp>
             <p:nvSpPr>
               <p:cNvPr id="18" name="テキスト ボックス 17">
@@ -7013,6 +7019,246 @@
 <file path=ppt/slides/slide6.xml><?xml version="1.0" encoding="utf-8"?>
 <p:sld xmlns:a="http://schemas.openxmlformats.org/drawingml/2006/main" xmlns:r="http://schemas.openxmlformats.org/officeDocument/2006/relationships" xmlns:p="http://schemas.openxmlformats.org/presentationml/2006/main">
   <p:cSld>
+    <p:bg>
+      <p:bgPr>
+        <a:solidFill>
+          <a:schemeClr val="bg1"/>
+        </a:solidFill>
+        <a:effectLst/>
+      </p:bgPr>
+    </p:bg>
+    <p:spTree>
+      <p:nvGrpSpPr>
+        <p:cNvPr id="1" name=""/>
+        <p:cNvGrpSpPr/>
+        <p:nvPr/>
+      </p:nvGrpSpPr>
+      <p:grpSpPr>
+        <a:xfrm>
+          <a:off x="0" y="0"/>
+          <a:ext cx="0" cy="0"/>
+          <a:chOff x="0" y="0"/>
+          <a:chExt cx="0" cy="0"/>
+        </a:xfrm>
+      </p:grpSpPr>
+      <p:sp>
+        <p:nvSpPr>
+          <p:cNvPr id="1037" name="Rectangle 1036">
+            <a:extLst>
+              <a:ext uri="{FF2B5EF4-FFF2-40B4-BE49-F238E27FC236}">
+                <a16:creationId xmlns:a16="http://schemas.microsoft.com/office/drawing/2014/main" id="{42A4FC2C-047E-45A5-965D-8E1E3BF09BC6}"/>
+              </a:ext>
+              <a:ext uri="{C183D7F6-B498-43B3-948B-1728B52AA6E4}">
+                <adec:decorative xmlns:adec="http://schemas.microsoft.com/office/drawing/2017/decorative" val="1"/>
+              </a:ext>
+            </a:extLst>
+          </p:cNvPr>
+          <p:cNvSpPr>
+            <a:spLocks noGrp="1" noRot="1" noChangeAspect="1" noMove="1" noResize="1" noEditPoints="1" noAdjustHandles="1" noChangeArrowheads="1" noChangeShapeType="1" noTextEdit="1"/>
+          </p:cNvSpPr>
+          <p:nvPr>
+            <p:extLst>
+              <p:ext uri="{386F3935-93C4-4BCD-93E2-E3B085C9AB24}">
+                <p16:designElem xmlns:p16="http://schemas.microsoft.com/office/powerpoint/2015/main" val="1"/>
+              </p:ext>
+            </p:extLst>
+          </p:nvPr>
+        </p:nvSpPr>
+        <p:spPr bwMode="white">
+          <a:xfrm>
+            <a:off x="1524" y="0"/>
+            <a:ext cx="12188952" cy="6858000"/>
+          </a:xfrm>
+          <a:prstGeom prst="rect">
+            <a:avLst/>
+          </a:prstGeom>
+          <a:noFill/>
+          <a:ln>
+            <a:noFill/>
+          </a:ln>
+        </p:spPr>
+        <p:style>
+          <a:lnRef idx="2">
+            <a:schemeClr val="accent1">
+              <a:shade val="50000"/>
+            </a:schemeClr>
+          </a:lnRef>
+          <a:fillRef idx="1">
+            <a:schemeClr val="accent1"/>
+          </a:fillRef>
+          <a:effectRef idx="0">
+            <a:schemeClr val="accent1"/>
+          </a:effectRef>
+          <a:fontRef idx="minor">
+            <a:schemeClr val="lt1"/>
+          </a:fontRef>
+        </p:style>
+        <p:txBody>
+          <a:bodyPr rtlCol="0" anchor="ctr"/>
+          <a:lstStyle>
+            <a:defPPr>
+              <a:defRPr lang="en-US"/>
+            </a:defPPr>
+            <a:lvl1pPr marL="0" algn="l" defTabSz="914400" rtl="0" eaLnBrk="1" latinLnBrk="0" hangingPunct="1">
+              <a:defRPr sz="1800" kern="1200">
+                <a:solidFill>
+                  <a:schemeClr val="lt1"/>
+                </a:solidFill>
+                <a:latin typeface="+mn-lt"/>
+                <a:ea typeface="+mn-ea"/>
+                <a:cs typeface="+mn-cs"/>
+              </a:defRPr>
+            </a:lvl1pPr>
+            <a:lvl2pPr marL="457200" algn="l" defTabSz="914400" rtl="0" eaLnBrk="1" latinLnBrk="0" hangingPunct="1">
+              <a:defRPr sz="1800" kern="1200">
+                <a:solidFill>
+                  <a:schemeClr val="lt1"/>
+                </a:solidFill>
+                <a:latin typeface="+mn-lt"/>
+                <a:ea typeface="+mn-ea"/>
+                <a:cs typeface="+mn-cs"/>
+              </a:defRPr>
+            </a:lvl2pPr>
+            <a:lvl3pPr marL="914400" algn="l" defTabSz="914400" rtl="0" eaLnBrk="1" latinLnBrk="0" hangingPunct="1">
+              <a:defRPr sz="1800" kern="1200">
+                <a:solidFill>
+                  <a:schemeClr val="lt1"/>
+                </a:solidFill>
+                <a:latin typeface="+mn-lt"/>
+                <a:ea typeface="+mn-ea"/>
+                <a:cs typeface="+mn-cs"/>
+              </a:defRPr>
+            </a:lvl3pPr>
+            <a:lvl4pPr marL="1371600" algn="l" defTabSz="914400" rtl="0" eaLnBrk="1" latinLnBrk="0" hangingPunct="1">
+              <a:defRPr sz="1800" kern="1200">
+                <a:solidFill>
+                  <a:schemeClr val="lt1"/>
+                </a:solidFill>
+                <a:latin typeface="+mn-lt"/>
+                <a:ea typeface="+mn-ea"/>
+                <a:cs typeface="+mn-cs"/>
+              </a:defRPr>
+            </a:lvl4pPr>
+            <a:lvl5pPr marL="1828800" algn="l" defTabSz="914400" rtl="0" eaLnBrk="1" latinLnBrk="0" hangingPunct="1">
+              <a:defRPr sz="1800" kern="1200">
+                <a:solidFill>
+                  <a:schemeClr val="lt1"/>
+                </a:solidFill>
+                <a:latin typeface="+mn-lt"/>
+                <a:ea typeface="+mn-ea"/>
+                <a:cs typeface="+mn-cs"/>
+              </a:defRPr>
+            </a:lvl5pPr>
+            <a:lvl6pPr marL="2286000" algn="l" defTabSz="914400" rtl="0" eaLnBrk="1" latinLnBrk="0" hangingPunct="1">
+              <a:defRPr sz="1800" kern="1200">
+                <a:solidFill>
+                  <a:schemeClr val="lt1"/>
+                </a:solidFill>
+                <a:latin typeface="+mn-lt"/>
+                <a:ea typeface="+mn-ea"/>
+                <a:cs typeface="+mn-cs"/>
+              </a:defRPr>
+            </a:lvl6pPr>
+            <a:lvl7pPr marL="2743200" algn="l" defTabSz="914400" rtl="0" eaLnBrk="1" latinLnBrk="0" hangingPunct="1">
+              <a:defRPr sz="1800" kern="1200">
+                <a:solidFill>
+                  <a:schemeClr val="lt1"/>
+                </a:solidFill>
+                <a:latin typeface="+mn-lt"/>
+                <a:ea typeface="+mn-ea"/>
+                <a:cs typeface="+mn-cs"/>
+              </a:defRPr>
+            </a:lvl7pPr>
+            <a:lvl8pPr marL="3200400" algn="l" defTabSz="914400" rtl="0" eaLnBrk="1" latinLnBrk="0" hangingPunct="1">
+              <a:defRPr sz="1800" kern="1200">
+                <a:solidFill>
+                  <a:schemeClr val="lt1"/>
+                </a:solidFill>
+                <a:latin typeface="+mn-lt"/>
+                <a:ea typeface="+mn-ea"/>
+                <a:cs typeface="+mn-cs"/>
+              </a:defRPr>
+            </a:lvl8pPr>
+            <a:lvl9pPr marL="3657600" algn="l" defTabSz="914400" rtl="0" eaLnBrk="1" latinLnBrk="0" hangingPunct="1">
+              <a:defRPr sz="1800" kern="1200">
+                <a:solidFill>
+                  <a:schemeClr val="lt1"/>
+                </a:solidFill>
+                <a:latin typeface="+mn-lt"/>
+                <a:ea typeface="+mn-ea"/>
+                <a:cs typeface="+mn-cs"/>
+              </a:defRPr>
+            </a:lvl9pPr>
+          </a:lstStyle>
+          <a:p>
+            <a:pPr algn="ctr"/>
+            <a:endParaRPr lang="en-US"/>
+          </a:p>
+        </p:txBody>
+      </p:sp>
+      <p:pic>
+        <p:nvPicPr>
+          <p:cNvPr id="1034" name="Picture 10" descr="画像">
+            <a:extLst>
+              <a:ext uri="{FF2B5EF4-FFF2-40B4-BE49-F238E27FC236}">
+                <a16:creationId xmlns:a16="http://schemas.microsoft.com/office/drawing/2014/main" id="{0A4763FF-CF45-CDB1-5E49-6DF563400CA7}"/>
+              </a:ext>
+            </a:extLst>
+          </p:cNvPr>
+          <p:cNvPicPr>
+            <a:picLocks noChangeAspect="1" noChangeArrowheads="1"/>
+          </p:cNvPicPr>
+          <p:nvPr/>
+        </p:nvPicPr>
+        <p:blipFill>
+          <a:blip r:embed="rId2">
+            <a:extLst>
+              <a:ext uri="{28A0092B-C50C-407E-A947-70E740481C1C}">
+                <a14:useLocalDpi xmlns:a14="http://schemas.microsoft.com/office/drawing/2010/main" val="0"/>
+              </a:ext>
+            </a:extLst>
+          </a:blip>
+          <a:srcRect/>
+          <a:stretch>
+            <a:fillRect/>
+          </a:stretch>
+        </p:blipFill>
+        <p:spPr bwMode="auto">
+          <a:xfrm>
+            <a:off x="1919536" y="836712"/>
+            <a:ext cx="7353300" cy="5086350"/>
+          </a:xfrm>
+          <a:prstGeom prst="rect">
+            <a:avLst/>
+          </a:prstGeom>
+          <a:noFill/>
+          <a:extLst>
+            <a:ext uri="{909E8E84-426E-40DD-AFC4-6F175D3DCCD1}">
+              <a14:hiddenFill xmlns:a14="http://schemas.microsoft.com/office/drawing/2010/main">
+                <a:solidFill>
+                  <a:srgbClr val="FFFFFF"/>
+                </a:solidFill>
+              </a14:hiddenFill>
+            </a:ext>
+          </a:extLst>
+        </p:spPr>
+      </p:pic>
+    </p:spTree>
+    <p:extLst>
+      <p:ext uri="{BB962C8B-B14F-4D97-AF65-F5344CB8AC3E}">
+        <p14:creationId xmlns:p14="http://schemas.microsoft.com/office/powerpoint/2010/main" val="738927649"/>
+      </p:ext>
+    </p:extLst>
+  </p:cSld>
+  <p:clrMapOvr>
+    <a:masterClrMapping/>
+  </p:clrMapOvr>
+</p:sld>
+</file>
+
+<file path=ppt/slides/slide7.xml><?xml version="1.0" encoding="utf-8"?>
+<p:sld xmlns:a="http://schemas.openxmlformats.org/drawingml/2006/main" xmlns:r="http://schemas.openxmlformats.org/officeDocument/2006/relationships" xmlns:p="http://schemas.openxmlformats.org/presentationml/2006/main">
+  <p:cSld>
     <p:spTree>
       <p:nvGrpSpPr>
         <p:cNvPr id="1" name=""/>
@@ -7128,53 +7374,6 @@
       </p:sp>
       <p:pic>
         <p:nvPicPr>
-          <p:cNvPr id="1028" name="Picture 4" descr="ヘリコプターのイラスト">
-            <a:extLst>
-              <a:ext uri="{FF2B5EF4-FFF2-40B4-BE49-F238E27FC236}">
-                <a16:creationId xmlns:a16="http://schemas.microsoft.com/office/drawing/2014/main" id="{9426ECF5-52B4-C025-2C99-EFC621283161}"/>
-              </a:ext>
-            </a:extLst>
-          </p:cNvPr>
-          <p:cNvPicPr>
-            <a:picLocks noChangeAspect="1" noChangeArrowheads="1"/>
-          </p:cNvPicPr>
-          <p:nvPr/>
-        </p:nvPicPr>
-        <p:blipFill>
-          <a:blip r:embed="rId3">
-            <a:extLst>
-              <a:ext uri="{28A0092B-C50C-407E-A947-70E740481C1C}">
-                <a14:useLocalDpi xmlns:a14="http://schemas.microsoft.com/office/drawing/2010/main" val="0"/>
-              </a:ext>
-            </a:extLst>
-          </a:blip>
-          <a:srcRect/>
-          <a:stretch>
-            <a:fillRect/>
-          </a:stretch>
-        </p:blipFill>
-        <p:spPr bwMode="auto">
-          <a:xfrm>
-            <a:off x="3216015" y="2996952"/>
-            <a:ext cx="1418917" cy="1184796"/>
-          </a:xfrm>
-          <a:prstGeom prst="rect">
-            <a:avLst/>
-          </a:prstGeom>
-          <a:noFill/>
-          <a:extLst>
-            <a:ext uri="{909E8E84-426E-40DD-AFC4-6F175D3DCCD1}">
-              <a14:hiddenFill xmlns:a14="http://schemas.microsoft.com/office/drawing/2010/main">
-                <a:solidFill>
-                  <a:srgbClr val="FFFFFF"/>
-                </a:solidFill>
-              </a14:hiddenFill>
-            </a:ext>
-          </a:extLst>
-        </p:spPr>
-      </p:pic>
-      <p:pic>
-        <p:nvPicPr>
           <p:cNvPr id="3" name="図 2">
             <a:extLst>
               <a:ext uri="{FF2B5EF4-FFF2-40B4-BE49-F238E27FC236}">
@@ -7188,7 +7387,7 @@
           <p:nvPr/>
         </p:nvPicPr>
         <p:blipFill>
-          <a:blip r:embed="rId4"/>
+          <a:blip r:embed="rId3"/>
           <a:stretch>
             <a:fillRect/>
           </a:stretch>
@@ -7302,53 +7501,6 @@
           </a:p>
         </p:txBody>
       </p:sp>
-      <p:pic>
-        <p:nvPicPr>
-          <p:cNvPr id="6" name="Picture 4" descr="ヘリコプターのイラスト">
-            <a:extLst>
-              <a:ext uri="{FF2B5EF4-FFF2-40B4-BE49-F238E27FC236}">
-                <a16:creationId xmlns:a16="http://schemas.microsoft.com/office/drawing/2014/main" id="{2254797D-75A5-E246-F157-8FD3525439F4}"/>
-              </a:ext>
-            </a:extLst>
-          </p:cNvPr>
-          <p:cNvPicPr>
-            <a:picLocks noChangeAspect="1" noChangeArrowheads="1"/>
-          </p:cNvPicPr>
-          <p:nvPr/>
-        </p:nvPicPr>
-        <p:blipFill>
-          <a:blip r:embed="rId3">
-            <a:extLst>
-              <a:ext uri="{28A0092B-C50C-407E-A947-70E740481C1C}">
-                <a14:useLocalDpi xmlns:a14="http://schemas.microsoft.com/office/drawing/2010/main" val="0"/>
-              </a:ext>
-            </a:extLst>
-          </a:blip>
-          <a:srcRect/>
-          <a:stretch>
-            <a:fillRect/>
-          </a:stretch>
-        </p:blipFill>
-        <p:spPr bwMode="auto">
-          <a:xfrm>
-            <a:off x="8256240" y="1823338"/>
-            <a:ext cx="1418917" cy="1184796"/>
-          </a:xfrm>
-          <a:prstGeom prst="rect">
-            <a:avLst/>
-          </a:prstGeom>
-          <a:noFill/>
-          <a:extLst>
-            <a:ext uri="{909E8E84-426E-40DD-AFC4-6F175D3DCCD1}">
-              <a14:hiddenFill xmlns:a14="http://schemas.microsoft.com/office/drawing/2010/main">
-                <a:solidFill>
-                  <a:srgbClr val="FFFFFF"/>
-                </a:solidFill>
-              </a14:hiddenFill>
-            </a:ext>
-          </a:extLst>
-        </p:spPr>
-      </p:pic>
       <p:sp>
         <p:nvSpPr>
           <p:cNvPr id="7" name="円/楕円 6">
@@ -7418,7 +7570,7 @@
           <p:nvPr/>
         </p:nvPicPr>
         <p:blipFill>
-          <a:blip r:embed="rId5">
+          <a:blip r:embed="rId4">
             <a:extLst>
               <a:ext uri="{28A0092B-C50C-407E-A947-70E740481C1C}">
                 <a14:useLocalDpi xmlns:a14="http://schemas.microsoft.com/office/drawing/2010/main" val="0"/>
@@ -7504,6 +7656,66 @@
           </a:p>
         </p:txBody>
       </p:sp>
+      <p:pic>
+        <p:nvPicPr>
+          <p:cNvPr id="10" name="図 9">
+            <a:extLst>
+              <a:ext uri="{FF2B5EF4-FFF2-40B4-BE49-F238E27FC236}">
+                <a16:creationId xmlns:a16="http://schemas.microsoft.com/office/drawing/2014/main" id="{DE99AAF2-4B8E-32A7-F936-D51A22BF6E8F}"/>
+              </a:ext>
+            </a:extLst>
+          </p:cNvPr>
+          <p:cNvPicPr>
+            <a:picLocks noChangeAspect="1"/>
+          </p:cNvPicPr>
+          <p:nvPr/>
+        </p:nvPicPr>
+        <p:blipFill>
+          <a:blip r:embed="rId5"/>
+          <a:stretch>
+            <a:fillRect/>
+          </a:stretch>
+        </p:blipFill>
+        <p:spPr>
+          <a:xfrm>
+            <a:off x="2597084" y="2626279"/>
+            <a:ext cx="2172003" cy="1371791"/>
+          </a:xfrm>
+          <a:prstGeom prst="rect">
+            <a:avLst/>
+          </a:prstGeom>
+        </p:spPr>
+      </p:pic>
+      <p:pic>
+        <p:nvPicPr>
+          <p:cNvPr id="12" name="図 11">
+            <a:extLst>
+              <a:ext uri="{FF2B5EF4-FFF2-40B4-BE49-F238E27FC236}">
+                <a16:creationId xmlns:a16="http://schemas.microsoft.com/office/drawing/2014/main" id="{488205A5-769D-DD82-F888-6CB333C969D1}"/>
+              </a:ext>
+            </a:extLst>
+          </p:cNvPr>
+          <p:cNvPicPr>
+            <a:picLocks noChangeAspect="1"/>
+          </p:cNvPicPr>
+          <p:nvPr/>
+        </p:nvPicPr>
+        <p:blipFill>
+          <a:blip r:embed="rId5"/>
+          <a:stretch>
+            <a:fillRect/>
+          </a:stretch>
+        </p:blipFill>
+        <p:spPr>
+          <a:xfrm>
+            <a:off x="7680176" y="1268760"/>
+            <a:ext cx="2172003" cy="1371791"/>
+          </a:xfrm>
+          <a:prstGeom prst="rect">
+            <a:avLst/>
+          </a:prstGeom>
+        </p:spPr>
+      </p:pic>
     </p:spTree>
     <p:extLst>
       <p:ext uri="{BB962C8B-B14F-4D97-AF65-F5344CB8AC3E}">
